--- a/20170217data_slides.pptx
+++ b/20170217data_slides.pptx
@@ -9,6 +9,7 @@
     <p:sldId id="258" r:id="rId3"/>
     <p:sldId id="259" r:id="rId4"/>
     <p:sldId id="260" r:id="rId5"/>
+    <p:sldId id="261" r:id="rId6"/>
   </p:sldIdLst>
   <p:sldSz cx="12192000" cy="6858000"/>
   <p:notesSz cx="6858000" cy="9144000"/>
@@ -107,6 +108,11 @@
       </a:defRPr>
     </a:lvl9pPr>
   </p:defaultTextStyle>
+  <p:extLst>
+    <p:ext uri="{EFAFB233-063F-42B5-8137-9DF3F51BA10A}">
+      <p15:sldGuideLst xmlns:p15="http://schemas.microsoft.com/office/powerpoint/2012/main"/>
+    </p:ext>
+  </p:extLst>
 </p:presentation>
 </file>
 
@@ -241,7 +247,7 @@
           <a:p>
             <a:fld id="{27C78BFA-AE4B-4240-94B5-3BA327B38241}" type="datetimeFigureOut">
               <a:rPr lang="en-US" smtClean="0"/>
-              <a:t>2/22/2017</a:t>
+              <a:t>2/23/2017</a:t>
             </a:fld>
             <a:endParaRPr lang="en-US"/>
           </a:p>
@@ -411,7 +417,7 @@
           <a:p>
             <a:fld id="{27C78BFA-AE4B-4240-94B5-3BA327B38241}" type="datetimeFigureOut">
               <a:rPr lang="en-US" smtClean="0"/>
-              <a:t>2/22/2017</a:t>
+              <a:t>2/23/2017</a:t>
             </a:fld>
             <a:endParaRPr lang="en-US"/>
           </a:p>
@@ -591,7 +597,7 @@
           <a:p>
             <a:fld id="{27C78BFA-AE4B-4240-94B5-3BA327B38241}" type="datetimeFigureOut">
               <a:rPr lang="en-US" smtClean="0"/>
-              <a:t>2/22/2017</a:t>
+              <a:t>2/23/2017</a:t>
             </a:fld>
             <a:endParaRPr lang="en-US"/>
           </a:p>
@@ -761,7 +767,7 @@
           <a:p>
             <a:fld id="{27C78BFA-AE4B-4240-94B5-3BA327B38241}" type="datetimeFigureOut">
               <a:rPr lang="en-US" smtClean="0"/>
-              <a:t>2/22/2017</a:t>
+              <a:t>2/23/2017</a:t>
             </a:fld>
             <a:endParaRPr lang="en-US"/>
           </a:p>
@@ -1007,7 +1013,7 @@
           <a:p>
             <a:fld id="{27C78BFA-AE4B-4240-94B5-3BA327B38241}" type="datetimeFigureOut">
               <a:rPr lang="en-US" smtClean="0"/>
-              <a:t>2/22/2017</a:t>
+              <a:t>2/23/2017</a:t>
             </a:fld>
             <a:endParaRPr lang="en-US"/>
           </a:p>
@@ -1239,7 +1245,7 @@
           <a:p>
             <a:fld id="{27C78BFA-AE4B-4240-94B5-3BA327B38241}" type="datetimeFigureOut">
               <a:rPr lang="en-US" smtClean="0"/>
-              <a:t>2/22/2017</a:t>
+              <a:t>2/23/2017</a:t>
             </a:fld>
             <a:endParaRPr lang="en-US"/>
           </a:p>
@@ -1606,7 +1612,7 @@
           <a:p>
             <a:fld id="{27C78BFA-AE4B-4240-94B5-3BA327B38241}" type="datetimeFigureOut">
               <a:rPr lang="en-US" smtClean="0"/>
-              <a:t>2/22/2017</a:t>
+              <a:t>2/23/2017</a:t>
             </a:fld>
             <a:endParaRPr lang="en-US"/>
           </a:p>
@@ -1724,7 +1730,7 @@
           <a:p>
             <a:fld id="{27C78BFA-AE4B-4240-94B5-3BA327B38241}" type="datetimeFigureOut">
               <a:rPr lang="en-US" smtClean="0"/>
-              <a:t>2/22/2017</a:t>
+              <a:t>2/23/2017</a:t>
             </a:fld>
             <a:endParaRPr lang="en-US"/>
           </a:p>
@@ -1819,7 +1825,7 @@
           <a:p>
             <a:fld id="{27C78BFA-AE4B-4240-94B5-3BA327B38241}" type="datetimeFigureOut">
               <a:rPr lang="en-US" smtClean="0"/>
-              <a:t>2/22/2017</a:t>
+              <a:t>2/23/2017</a:t>
             </a:fld>
             <a:endParaRPr lang="en-US"/>
           </a:p>
@@ -2096,7 +2102,7 @@
           <a:p>
             <a:fld id="{27C78BFA-AE4B-4240-94B5-3BA327B38241}" type="datetimeFigureOut">
               <a:rPr lang="en-US" smtClean="0"/>
-              <a:t>2/22/2017</a:t>
+              <a:t>2/23/2017</a:t>
             </a:fld>
             <a:endParaRPr lang="en-US"/>
           </a:p>
@@ -2349,7 +2355,7 @@
           <a:p>
             <a:fld id="{27C78BFA-AE4B-4240-94B5-3BA327B38241}" type="datetimeFigureOut">
               <a:rPr lang="en-US" smtClean="0"/>
-              <a:t>2/22/2017</a:t>
+              <a:t>2/23/2017</a:t>
             </a:fld>
             <a:endParaRPr lang="en-US"/>
           </a:p>
@@ -2562,7 +2568,7 @@
           <a:p>
             <a:fld id="{27C78BFA-AE4B-4240-94B5-3BA327B38241}" type="datetimeFigureOut">
               <a:rPr lang="en-US" smtClean="0"/>
-              <a:t>2/22/2017</a:t>
+              <a:t>2/23/2017</a:t>
             </a:fld>
             <a:endParaRPr lang="en-US"/>
           </a:p>
@@ -3064,7 +3070,7 @@
           <a:graphicData uri="http://schemas.openxmlformats.org/presentationml/2006/ole">
             <mc:AlternateContent xmlns:mc="http://schemas.openxmlformats.org/markup-compatibility/2006">
               <mc:Choice xmlns:v="urn:schemas-microsoft-com:vml" Requires="v">
-                <p:oleObj spid="_x0000_s1030" name="Acrobat Document" r:id="rId3" imgW="5486400" imgH="3771783" progId="AcroExch.Document.7">
+                <p:oleObj spid="_x0000_s1046" name="Acrobat Document" r:id="rId3" imgW="5486400" imgH="3771783" progId="AcroExch.Document.7">
                   <p:embed/>
                 </p:oleObj>
               </mc:Choice>
@@ -3121,7 +3127,7 @@
           <a:graphicData uri="http://schemas.openxmlformats.org/presentationml/2006/ole">
             <mc:AlternateContent xmlns:mc="http://schemas.openxmlformats.org/markup-compatibility/2006">
               <mc:Choice xmlns:v="urn:schemas-microsoft-com:vml" Requires="v">
-                <p:oleObj spid="_x0000_s1031" name="Acrobat Document" r:id="rId5" imgW="5486400" imgH="3771783" progId="AcroExch.Document.7">
+                <p:oleObj spid="_x0000_s1047" name="Acrobat Document" r:id="rId5" imgW="5486400" imgH="3771783" progId="AcroExch.Document.7">
                   <p:embed/>
                 </p:oleObj>
               </mc:Choice>
@@ -3178,7 +3184,7 @@
           <a:graphicData uri="http://schemas.openxmlformats.org/presentationml/2006/ole">
             <mc:AlternateContent xmlns:mc="http://schemas.openxmlformats.org/markup-compatibility/2006">
               <mc:Choice xmlns:v="urn:schemas-microsoft-com:vml" Requires="v">
-                <p:oleObj spid="_x0000_s1032" name="Acrobat Document" r:id="rId7" imgW="5486400" imgH="3771783" progId="AcroExch.Document.7">
+                <p:oleObj spid="_x0000_s1048" name="Acrobat Document" r:id="rId7" imgW="5486400" imgH="3771783" progId="AcroExch.Document.7">
                   <p:embed/>
                 </p:oleObj>
               </mc:Choice>
@@ -3235,7 +3241,7 @@
           <a:graphicData uri="http://schemas.openxmlformats.org/presentationml/2006/ole">
             <mc:AlternateContent xmlns:mc="http://schemas.openxmlformats.org/markup-compatibility/2006">
               <mc:Choice xmlns:v="urn:schemas-microsoft-com:vml" Requires="v">
-                <p:oleObj spid="_x0000_s1033" name="Acrobat Document" r:id="rId9" imgW="5486400" imgH="3771783" progId="AcroExch.Document.7">
+                <p:oleObj spid="_x0000_s1049" name="Acrobat Document" r:id="rId9" imgW="5486400" imgH="3771783" progId="AcroExch.Document.7">
                   <p:embed/>
                 </p:oleObj>
               </mc:Choice>
@@ -3329,7 +3335,7 @@
           <a:graphicData uri="http://schemas.openxmlformats.org/presentationml/2006/ole">
             <mc:AlternateContent xmlns:mc="http://schemas.openxmlformats.org/markup-compatibility/2006">
               <mc:Choice xmlns:v="urn:schemas-microsoft-com:vml" Requires="v">
-                <p:oleObj spid="_x0000_s2050" name="Acrobat Document" r:id="rId3" imgW="5486400" imgH="3771783" progId="AcroExch.Document.7">
+                <p:oleObj spid="_x0000_s2062" name="Acrobat Document" r:id="rId3" imgW="5486400" imgH="3771783" progId="AcroExch.Document.7">
                   <p:embed/>
                 </p:oleObj>
               </mc:Choice>
@@ -3386,7 +3392,7 @@
           <a:graphicData uri="http://schemas.openxmlformats.org/presentationml/2006/ole">
             <mc:AlternateContent xmlns:mc="http://schemas.openxmlformats.org/markup-compatibility/2006">
               <mc:Choice xmlns:v="urn:schemas-microsoft-com:vml" Requires="v">
-                <p:oleObj spid="_x0000_s2051" name="Acrobat Document" r:id="rId5" imgW="5486400" imgH="3771783" progId="AcroExch.Document.7">
+                <p:oleObj spid="_x0000_s2063" name="Acrobat Document" r:id="rId5" imgW="5486400" imgH="3771783" progId="AcroExch.Document.7">
                   <p:embed/>
                 </p:oleObj>
               </mc:Choice>
@@ -3443,7 +3449,7 @@
           <a:graphicData uri="http://schemas.openxmlformats.org/presentationml/2006/ole">
             <mc:AlternateContent xmlns:mc="http://schemas.openxmlformats.org/markup-compatibility/2006">
               <mc:Choice xmlns:v="urn:schemas-microsoft-com:vml" Requires="v">
-                <p:oleObj spid="_x0000_s2052" name="Acrobat Document" r:id="rId7" imgW="5486400" imgH="3771783" progId="AcroExch.Document.7">
+                <p:oleObj spid="_x0000_s2064" name="Acrobat Document" r:id="rId7" imgW="5486400" imgH="3771783" progId="AcroExch.Document.7">
                   <p:embed/>
                 </p:oleObj>
               </mc:Choice>
@@ -3517,20 +3523,20 @@
           <p:nvPr>
             <p:extLst>
               <p:ext uri="{D42A27DB-BD31-4B8C-83A1-F6EECF244321}">
-                <p14:modId xmlns:p14="http://schemas.microsoft.com/office/powerpoint/2010/main" val="1898534437"/>
+                <p14:modId xmlns:p14="http://schemas.microsoft.com/office/powerpoint/2010/main" val="2209383873"/>
               </p:ext>
             </p:extLst>
           </p:nvPr>
         </p:nvGraphicFramePr>
         <p:xfrm>
-          <a:off x="4114800" y="3186551"/>
+          <a:off x="4114800" y="3402503"/>
           <a:ext cx="4114800" cy="2828925"/>
         </p:xfrm>
         <a:graphic>
           <a:graphicData uri="http://schemas.openxmlformats.org/presentationml/2006/ole">
             <mc:AlternateContent xmlns:mc="http://schemas.openxmlformats.org/markup-compatibility/2006">
               <mc:Choice xmlns:v="urn:schemas-microsoft-com:vml" Requires="v">
-                <p:oleObj spid="_x0000_s3074" name="Acrobat Document" r:id="rId3" imgW="5486400" imgH="3771783" progId="AcroExch.Document.7">
+                <p:oleObj spid="_x0000_s3094" name="Acrobat Document" r:id="rId3" imgW="5486400" imgH="3771783" progId="AcroExch.Document.7">
                   <p:embed/>
                 </p:oleObj>
               </mc:Choice>
@@ -3551,7 +3557,7 @@
                     </p:blipFill>
                     <p:spPr>
                       <a:xfrm>
-                        <a:off x="4114800" y="3186551"/>
+                        <a:off x="4114800" y="3402503"/>
                         <a:ext cx="4114800" cy="2828925"/>
                       </a:xfrm>
                       <a:prstGeom prst="rect">
@@ -3574,20 +3580,20 @@
           <p:nvPr>
             <p:extLst>
               <p:ext uri="{D42A27DB-BD31-4B8C-83A1-F6EECF244321}">
-                <p14:modId xmlns:p14="http://schemas.microsoft.com/office/powerpoint/2010/main" val="1024600437"/>
+                <p14:modId xmlns:p14="http://schemas.microsoft.com/office/powerpoint/2010/main" val="2074950625"/>
               </p:ext>
             </p:extLst>
           </p:nvPr>
         </p:nvGraphicFramePr>
         <p:xfrm>
-          <a:off x="8077200" y="75934"/>
+          <a:off x="8077200" y="573579"/>
           <a:ext cx="4114800" cy="2828925"/>
         </p:xfrm>
         <a:graphic>
           <a:graphicData uri="http://schemas.openxmlformats.org/presentationml/2006/ole">
             <mc:AlternateContent xmlns:mc="http://schemas.openxmlformats.org/markup-compatibility/2006">
               <mc:Choice xmlns:v="urn:schemas-microsoft-com:vml" Requires="v">
-                <p:oleObj spid="_x0000_s3075" name="Acrobat Document" r:id="rId5" imgW="5486400" imgH="3771783" progId="AcroExch.Document.7">
+                <p:oleObj spid="_x0000_s3095" name="Acrobat Document" r:id="rId5" imgW="5486400" imgH="3771783" progId="AcroExch.Document.7">
                   <p:embed/>
                 </p:oleObj>
               </mc:Choice>
@@ -3608,7 +3614,7 @@
                     </p:blipFill>
                     <p:spPr>
                       <a:xfrm>
-                        <a:off x="8077200" y="75934"/>
+                        <a:off x="8077200" y="573579"/>
                         <a:ext cx="4114800" cy="2828925"/>
                       </a:xfrm>
                       <a:prstGeom prst="rect">
@@ -3631,20 +3637,20 @@
           <p:nvPr>
             <p:extLst>
               <p:ext uri="{D42A27DB-BD31-4B8C-83A1-F6EECF244321}">
-                <p14:modId xmlns:p14="http://schemas.microsoft.com/office/powerpoint/2010/main" val="2619917234"/>
+                <p14:modId xmlns:p14="http://schemas.microsoft.com/office/powerpoint/2010/main" val="1654966786"/>
               </p:ext>
             </p:extLst>
           </p:nvPr>
         </p:nvGraphicFramePr>
         <p:xfrm>
-          <a:off x="0" y="6796"/>
+          <a:off x="0" y="573579"/>
           <a:ext cx="4114800" cy="2828925"/>
         </p:xfrm>
         <a:graphic>
           <a:graphicData uri="http://schemas.openxmlformats.org/presentationml/2006/ole">
             <mc:AlternateContent xmlns:mc="http://schemas.openxmlformats.org/markup-compatibility/2006">
               <mc:Choice xmlns:v="urn:schemas-microsoft-com:vml" Requires="v">
-                <p:oleObj spid="_x0000_s3076" name="Acrobat Document" r:id="rId7" imgW="5486400" imgH="3771783" progId="AcroExch.Document.7">
+                <p:oleObj spid="_x0000_s3096" name="Acrobat Document" r:id="rId7" imgW="5486400" imgH="3771783" progId="AcroExch.Document.7">
                   <p:embed/>
                 </p:oleObj>
               </mc:Choice>
@@ -3665,7 +3671,7 @@
                     </p:blipFill>
                     <p:spPr>
                       <a:xfrm>
-                        <a:off x="0" y="6796"/>
+                        <a:off x="0" y="573579"/>
                         <a:ext cx="4114800" cy="2828925"/>
                       </a:xfrm>
                       <a:prstGeom prst="rect">
@@ -3688,20 +3694,20 @@
           <p:nvPr>
             <p:extLst>
               <p:ext uri="{D42A27DB-BD31-4B8C-83A1-F6EECF244321}">
-                <p14:modId xmlns:p14="http://schemas.microsoft.com/office/powerpoint/2010/main" val="1185852947"/>
+                <p14:modId xmlns:p14="http://schemas.microsoft.com/office/powerpoint/2010/main" val="2481968870"/>
               </p:ext>
             </p:extLst>
           </p:nvPr>
         </p:nvGraphicFramePr>
         <p:xfrm>
-          <a:off x="0" y="3117413"/>
+          <a:off x="0" y="3402504"/>
           <a:ext cx="4114800" cy="2828925"/>
         </p:xfrm>
         <a:graphic>
           <a:graphicData uri="http://schemas.openxmlformats.org/presentationml/2006/ole">
             <mc:AlternateContent xmlns:mc="http://schemas.openxmlformats.org/markup-compatibility/2006">
               <mc:Choice xmlns:v="urn:schemas-microsoft-com:vml" Requires="v">
-                <p:oleObj spid="_x0000_s3077" name="Acrobat Document" r:id="rId9" imgW="5486400" imgH="3771783" progId="AcroExch.Document.7">
+                <p:oleObj spid="_x0000_s3097" name="Acrobat Document" r:id="rId9" imgW="5486400" imgH="3771783" progId="AcroExch.Document.7">
                   <p:embed/>
                 </p:oleObj>
               </mc:Choice>
@@ -3722,7 +3728,7 @@
                     </p:blipFill>
                     <p:spPr>
                       <a:xfrm>
-                        <a:off x="0" y="3117413"/>
+                        <a:off x="0" y="3402504"/>
                         <a:ext cx="4114800" cy="2828925"/>
                       </a:xfrm>
                       <a:prstGeom prst="rect">
@@ -3745,20 +3751,20 @@
           <p:nvPr>
             <p:extLst>
               <p:ext uri="{D42A27DB-BD31-4B8C-83A1-F6EECF244321}">
-                <p14:modId xmlns:p14="http://schemas.microsoft.com/office/powerpoint/2010/main" val="2702013963"/>
+                <p14:modId xmlns:p14="http://schemas.microsoft.com/office/powerpoint/2010/main" val="416971096"/>
               </p:ext>
             </p:extLst>
           </p:nvPr>
         </p:nvGraphicFramePr>
         <p:xfrm>
-          <a:off x="4114800" y="0"/>
+          <a:off x="4038600" y="573579"/>
           <a:ext cx="4114800" cy="2828925"/>
         </p:xfrm>
         <a:graphic>
           <a:graphicData uri="http://schemas.openxmlformats.org/presentationml/2006/ole">
             <mc:AlternateContent xmlns:mc="http://schemas.openxmlformats.org/markup-compatibility/2006">
               <mc:Choice xmlns:v="urn:schemas-microsoft-com:vml" Requires="v">
-                <p:oleObj spid="_x0000_s3078" name="Acrobat Document" r:id="rId11" imgW="5486400" imgH="3771783" progId="AcroExch.Document.7">
+                <p:oleObj spid="_x0000_s3098" name="Acrobat Document" r:id="rId11" imgW="5486400" imgH="3771783" progId="AcroExch.Document.7">
                   <p:embed/>
                 </p:oleObj>
               </mc:Choice>
@@ -3779,7 +3785,7 @@
                     </p:blipFill>
                     <p:spPr>
                       <a:xfrm>
-                        <a:off x="4114800" y="0"/>
+                        <a:off x="4038600" y="573579"/>
                         <a:ext cx="4114800" cy="2828925"/>
                       </a:xfrm>
                       <a:prstGeom prst="rect">
@@ -3793,10 +3799,408 @@
           </a:graphicData>
         </a:graphic>
       </p:graphicFrame>
+      <p:sp>
+        <p:nvSpPr>
+          <p:cNvPr id="7" name="TextBox 6"/>
+          <p:cNvSpPr txBox="1"/>
+          <p:nvPr/>
+        </p:nvSpPr>
+        <p:spPr>
+          <a:xfrm>
+            <a:off x="8287789" y="3906982"/>
+            <a:ext cx="3474720" cy="923330"/>
+          </a:xfrm>
+          <a:prstGeom prst="rect">
+            <a:avLst/>
+          </a:prstGeom>
+          <a:noFill/>
+        </p:spPr>
+        <p:txBody>
+          <a:bodyPr wrap="square" rtlCol="0">
+            <a:spAutoFit/>
+          </a:bodyPr>
+          <a:lstStyle/>
+          <a:p>
+            <a:r>
+              <a:rPr lang="en-US" dirty="0" smtClean="0"/>
+              <a:t>With </a:t>
+            </a:r>
+            <a:r>
+              <a:rPr lang="en-US" dirty="0" err="1" smtClean="0"/>
+              <a:t>parylene</a:t>
+            </a:r>
+            <a:r>
+              <a:rPr lang="en-US" dirty="0" smtClean="0"/>
+              <a:t> coating, the maximum flow rate is 65 mL/min for all cases.</a:t>
+            </a:r>
+          </a:p>
+        </p:txBody>
+      </p:sp>
     </p:spTree>
     <p:extLst>
       <p:ext uri="{BB962C8B-B14F-4D97-AF65-F5344CB8AC3E}">
         <p14:creationId xmlns:p14="http://schemas.microsoft.com/office/powerpoint/2010/main" val="3627458771"/>
+      </p:ext>
+    </p:extLst>
+  </p:cSld>
+  <p:clrMapOvr>
+    <a:masterClrMapping/>
+  </p:clrMapOvr>
+</p:sld>
+</file>
+
+<file path=ppt/slides/slide5.xml><?xml version="1.0" encoding="utf-8"?>
+<p:sld xmlns:a="http://schemas.openxmlformats.org/drawingml/2006/main" xmlns:r="http://schemas.openxmlformats.org/officeDocument/2006/relationships" xmlns:p="http://schemas.openxmlformats.org/presentationml/2006/main">
+  <p:cSld>
+    <p:spTree>
+      <p:nvGrpSpPr>
+        <p:cNvPr id="1" name=""/>
+        <p:cNvGrpSpPr/>
+        <p:nvPr/>
+      </p:nvGrpSpPr>
+      <p:grpSpPr>
+        <a:xfrm>
+          <a:off x="0" y="0"/>
+          <a:ext cx="0" cy="0"/>
+          <a:chOff x="0" y="0"/>
+          <a:chExt cx="0" cy="0"/>
+        </a:xfrm>
+      </p:grpSpPr>
+      <p:graphicFrame>
+        <p:nvGraphicFramePr>
+          <p:cNvPr id="2" name="Object 1"/>
+          <p:cNvGraphicFramePr>
+            <a:graphicFrameLocks noChangeAspect="1"/>
+          </p:cNvGraphicFramePr>
+          <p:nvPr>
+            <p:extLst>
+              <p:ext uri="{D42A27DB-BD31-4B8C-83A1-F6EECF244321}">
+                <p14:modId xmlns:p14="http://schemas.microsoft.com/office/powerpoint/2010/main" val="4201534436"/>
+              </p:ext>
+            </p:extLst>
+          </p:nvPr>
+        </p:nvGraphicFramePr>
+        <p:xfrm>
+          <a:off x="4038600" y="581890"/>
+          <a:ext cx="4114800" cy="2828925"/>
+        </p:xfrm>
+        <a:graphic>
+          <a:graphicData uri="http://schemas.openxmlformats.org/presentationml/2006/ole">
+            <mc:AlternateContent xmlns:mc="http://schemas.openxmlformats.org/markup-compatibility/2006">
+              <mc:Choice xmlns:v="urn:schemas-microsoft-com:vml" Requires="v">
+                <p:oleObj spid="_x0000_s4113" name="Acrobat Document" r:id="rId3" imgW="5486400" imgH="3771783" progId="AcroExch.Document.7">
+                  <p:embed/>
+                </p:oleObj>
+              </mc:Choice>
+              <mc:Fallback>
+                <p:oleObj name="Acrobat Document" r:id="rId3" imgW="5486400" imgH="3771783" progId="AcroExch.Document.7">
+                  <p:embed/>
+                  <p:pic>
+                    <p:nvPicPr>
+                      <p:cNvPr id="0" name=""/>
+                      <p:cNvPicPr/>
+                      <p:nvPr/>
+                    </p:nvPicPr>
+                    <p:blipFill>
+                      <a:blip r:embed="rId4"/>
+                      <a:stretch>
+                        <a:fillRect/>
+                      </a:stretch>
+                    </p:blipFill>
+                    <p:spPr>
+                      <a:xfrm>
+                        <a:off x="4038600" y="581890"/>
+                        <a:ext cx="4114800" cy="2828925"/>
+                      </a:xfrm>
+                      <a:prstGeom prst="rect">
+                        <a:avLst/>
+                      </a:prstGeom>
+                    </p:spPr>
+                  </p:pic>
+                </p:oleObj>
+              </mc:Fallback>
+            </mc:AlternateContent>
+          </a:graphicData>
+        </a:graphic>
+      </p:graphicFrame>
+      <p:graphicFrame>
+        <p:nvGraphicFramePr>
+          <p:cNvPr id="3" name="Object 2"/>
+          <p:cNvGraphicFramePr>
+            <a:graphicFrameLocks noChangeAspect="1"/>
+          </p:cNvGraphicFramePr>
+          <p:nvPr>
+            <p:extLst>
+              <p:ext uri="{D42A27DB-BD31-4B8C-83A1-F6EECF244321}">
+                <p14:modId xmlns:p14="http://schemas.microsoft.com/office/powerpoint/2010/main" val="3986494736"/>
+              </p:ext>
+            </p:extLst>
+          </p:nvPr>
+        </p:nvGraphicFramePr>
+        <p:xfrm>
+          <a:off x="4038600" y="3410813"/>
+          <a:ext cx="4114800" cy="2828925"/>
+        </p:xfrm>
+        <a:graphic>
+          <a:graphicData uri="http://schemas.openxmlformats.org/presentationml/2006/ole">
+            <mc:AlternateContent xmlns:mc="http://schemas.openxmlformats.org/markup-compatibility/2006">
+              <mc:Choice xmlns:v="urn:schemas-microsoft-com:vml" Requires="v">
+                <p:oleObj spid="_x0000_s4114" name="Acrobat Document" r:id="rId5" imgW="5486400" imgH="3771783" progId="AcroExch.Document.7">
+                  <p:embed/>
+                </p:oleObj>
+              </mc:Choice>
+              <mc:Fallback>
+                <p:oleObj name="Acrobat Document" r:id="rId5" imgW="5486400" imgH="3771783" progId="AcroExch.Document.7">
+                  <p:embed/>
+                  <p:pic>
+                    <p:nvPicPr>
+                      <p:cNvPr id="0" name=""/>
+                      <p:cNvPicPr/>
+                      <p:nvPr/>
+                    </p:nvPicPr>
+                    <p:blipFill>
+                      <a:blip r:embed="rId6"/>
+                      <a:stretch>
+                        <a:fillRect/>
+                      </a:stretch>
+                    </p:blipFill>
+                    <p:spPr>
+                      <a:xfrm>
+                        <a:off x="4038600" y="3410813"/>
+                        <a:ext cx="4114800" cy="2828925"/>
+                      </a:xfrm>
+                      <a:prstGeom prst="rect">
+                        <a:avLst/>
+                      </a:prstGeom>
+                    </p:spPr>
+                  </p:pic>
+                </p:oleObj>
+              </mc:Fallback>
+            </mc:AlternateContent>
+          </a:graphicData>
+        </a:graphic>
+      </p:graphicFrame>
+      <p:graphicFrame>
+        <p:nvGraphicFramePr>
+          <p:cNvPr id="4" name="Object 3"/>
+          <p:cNvGraphicFramePr>
+            <a:graphicFrameLocks noChangeAspect="1"/>
+          </p:cNvGraphicFramePr>
+          <p:nvPr>
+            <p:extLst>
+              <p:ext uri="{D42A27DB-BD31-4B8C-83A1-F6EECF244321}">
+                <p14:modId xmlns:p14="http://schemas.microsoft.com/office/powerpoint/2010/main" val="2896310716"/>
+              </p:ext>
+            </p:extLst>
+          </p:nvPr>
+        </p:nvGraphicFramePr>
+        <p:xfrm>
+          <a:off x="8077200" y="581891"/>
+          <a:ext cx="4114800" cy="2828925"/>
+        </p:xfrm>
+        <a:graphic>
+          <a:graphicData uri="http://schemas.openxmlformats.org/presentationml/2006/ole">
+            <mc:AlternateContent xmlns:mc="http://schemas.openxmlformats.org/markup-compatibility/2006">
+              <mc:Choice xmlns:v="urn:schemas-microsoft-com:vml" Requires="v">
+                <p:oleObj spid="_x0000_s4115" name="Acrobat Document" r:id="rId7" imgW="5486400" imgH="3771783" progId="AcroExch.Document.7">
+                  <p:embed/>
+                </p:oleObj>
+              </mc:Choice>
+              <mc:Fallback>
+                <p:oleObj name="Acrobat Document" r:id="rId7" imgW="5486400" imgH="3771783" progId="AcroExch.Document.7">
+                  <p:embed/>
+                  <p:pic>
+                    <p:nvPicPr>
+                      <p:cNvPr id="0" name=""/>
+                      <p:cNvPicPr/>
+                      <p:nvPr/>
+                    </p:nvPicPr>
+                    <p:blipFill>
+                      <a:blip r:embed="rId8"/>
+                      <a:stretch>
+                        <a:fillRect/>
+                      </a:stretch>
+                    </p:blipFill>
+                    <p:spPr>
+                      <a:xfrm>
+                        <a:off x="8077200" y="581891"/>
+                        <a:ext cx="4114800" cy="2828925"/>
+                      </a:xfrm>
+                      <a:prstGeom prst="rect">
+                        <a:avLst/>
+                      </a:prstGeom>
+                    </p:spPr>
+                  </p:pic>
+                </p:oleObj>
+              </mc:Fallback>
+            </mc:AlternateContent>
+          </a:graphicData>
+        </a:graphic>
+      </p:graphicFrame>
+      <p:graphicFrame>
+        <p:nvGraphicFramePr>
+          <p:cNvPr id="5" name="Object 4"/>
+          <p:cNvGraphicFramePr>
+            <a:graphicFrameLocks noChangeAspect="1"/>
+          </p:cNvGraphicFramePr>
+          <p:nvPr>
+            <p:extLst>
+              <p:ext uri="{D42A27DB-BD31-4B8C-83A1-F6EECF244321}">
+                <p14:modId xmlns:p14="http://schemas.microsoft.com/office/powerpoint/2010/main" val="1641797746"/>
+              </p:ext>
+            </p:extLst>
+          </p:nvPr>
+        </p:nvGraphicFramePr>
+        <p:xfrm>
+          <a:off x="0" y="581891"/>
+          <a:ext cx="4114800" cy="2828925"/>
+        </p:xfrm>
+        <a:graphic>
+          <a:graphicData uri="http://schemas.openxmlformats.org/presentationml/2006/ole">
+            <mc:AlternateContent xmlns:mc="http://schemas.openxmlformats.org/markup-compatibility/2006">
+              <mc:Choice xmlns:v="urn:schemas-microsoft-com:vml" Requires="v">
+                <p:oleObj spid="_x0000_s4116" name="Acrobat Document" r:id="rId9" imgW="5486400" imgH="3771783" progId="AcroExch.Document.7">
+                  <p:embed/>
+                </p:oleObj>
+              </mc:Choice>
+              <mc:Fallback>
+                <p:oleObj name="Acrobat Document" r:id="rId9" imgW="5486400" imgH="3771783" progId="AcroExch.Document.7">
+                  <p:embed/>
+                  <p:pic>
+                    <p:nvPicPr>
+                      <p:cNvPr id="0" name=""/>
+                      <p:cNvPicPr/>
+                      <p:nvPr/>
+                    </p:nvPicPr>
+                    <p:blipFill>
+                      <a:blip r:embed="rId10"/>
+                      <a:stretch>
+                        <a:fillRect/>
+                      </a:stretch>
+                    </p:blipFill>
+                    <p:spPr>
+                      <a:xfrm>
+                        <a:off x="0" y="581891"/>
+                        <a:ext cx="4114800" cy="2828925"/>
+                      </a:xfrm>
+                      <a:prstGeom prst="rect">
+                        <a:avLst/>
+                      </a:prstGeom>
+                    </p:spPr>
+                  </p:pic>
+                </p:oleObj>
+              </mc:Fallback>
+            </mc:AlternateContent>
+          </a:graphicData>
+        </a:graphic>
+      </p:graphicFrame>
+      <p:graphicFrame>
+        <p:nvGraphicFramePr>
+          <p:cNvPr id="6" name="Object 5"/>
+          <p:cNvGraphicFramePr>
+            <a:graphicFrameLocks noChangeAspect="1"/>
+          </p:cNvGraphicFramePr>
+          <p:nvPr>
+            <p:extLst>
+              <p:ext uri="{D42A27DB-BD31-4B8C-83A1-F6EECF244321}">
+                <p14:modId xmlns:p14="http://schemas.microsoft.com/office/powerpoint/2010/main" val="1353332375"/>
+              </p:ext>
+            </p:extLst>
+          </p:nvPr>
+        </p:nvGraphicFramePr>
+        <p:xfrm>
+          <a:off x="0" y="3410814"/>
+          <a:ext cx="4114800" cy="2828925"/>
+        </p:xfrm>
+        <a:graphic>
+          <a:graphicData uri="http://schemas.openxmlformats.org/presentationml/2006/ole">
+            <mc:AlternateContent xmlns:mc="http://schemas.openxmlformats.org/markup-compatibility/2006">
+              <mc:Choice xmlns:v="urn:schemas-microsoft-com:vml" Requires="v">
+                <p:oleObj spid="_x0000_s4117" name="Acrobat Document" r:id="rId11" imgW="5486400" imgH="3771783" progId="AcroExch.Document.7">
+                  <p:embed/>
+                </p:oleObj>
+              </mc:Choice>
+              <mc:Fallback>
+                <p:oleObj name="Acrobat Document" r:id="rId11" imgW="5486400" imgH="3771783" progId="AcroExch.Document.7">
+                  <p:embed/>
+                  <p:pic>
+                    <p:nvPicPr>
+                      <p:cNvPr id="0" name=""/>
+                      <p:cNvPicPr/>
+                      <p:nvPr/>
+                    </p:nvPicPr>
+                    <p:blipFill>
+                      <a:blip r:embed="rId12"/>
+                      <a:stretch>
+                        <a:fillRect/>
+                      </a:stretch>
+                    </p:blipFill>
+                    <p:spPr>
+                      <a:xfrm>
+                        <a:off x="0" y="3410814"/>
+                        <a:ext cx="4114800" cy="2828925"/>
+                      </a:xfrm>
+                      <a:prstGeom prst="rect">
+                        <a:avLst/>
+                      </a:prstGeom>
+                    </p:spPr>
+                  </p:pic>
+                </p:oleObj>
+              </mc:Fallback>
+            </mc:AlternateContent>
+          </a:graphicData>
+        </a:graphic>
+      </p:graphicFrame>
+      <p:sp>
+        <p:nvSpPr>
+          <p:cNvPr id="7" name="TextBox 6"/>
+          <p:cNvSpPr txBox="1"/>
+          <p:nvPr/>
+        </p:nvSpPr>
+        <p:spPr>
+          <a:xfrm>
+            <a:off x="8287789" y="3906982"/>
+            <a:ext cx="3474720" cy="2031325"/>
+          </a:xfrm>
+          <a:prstGeom prst="rect">
+            <a:avLst/>
+          </a:prstGeom>
+          <a:noFill/>
+        </p:spPr>
+        <p:txBody>
+          <a:bodyPr wrap="square" rtlCol="0">
+            <a:spAutoFit/>
+          </a:bodyPr>
+          <a:lstStyle/>
+          <a:p>
+            <a:r>
+              <a:rPr lang="en-US" dirty="0" smtClean="0"/>
+              <a:t>Load significantly decreases when syringe plunger is coated with </a:t>
+            </a:r>
+            <a:r>
+              <a:rPr lang="en-US" dirty="0" err="1" smtClean="0"/>
+              <a:t>parylene</a:t>
+            </a:r>
+            <a:r>
+              <a:rPr lang="en-US" dirty="0" smtClean="0"/>
+              <a:t>.</a:t>
+            </a:r>
+          </a:p>
+          <a:p>
+            <a:r>
+              <a:rPr lang="en-US" dirty="0" smtClean="0"/>
+              <a:t>To maintain same flow rate, the load decreases corresponding to the decreasing flow resistant.</a:t>
+            </a:r>
+          </a:p>
+          <a:p>
+            <a:endParaRPr lang="en-US" dirty="0" smtClean="0"/>
+          </a:p>
+        </p:txBody>
+      </p:sp>
+    </p:spTree>
+    <p:extLst>
+      <p:ext uri="{BB962C8B-B14F-4D97-AF65-F5344CB8AC3E}">
+        <p14:creationId xmlns:p14="http://schemas.microsoft.com/office/powerpoint/2010/main" val="1965972688"/>
       </p:ext>
     </p:extLst>
   </p:cSld>

--- a/20170217data_slides.pptx
+++ b/20170217data_slides.pptx
@@ -4,6 +4,9 @@
   <p:sldMasterIdLst>
     <p:sldMasterId id="2147483648" r:id="rId1"/>
   </p:sldMasterIdLst>
+  <p:notesMasterIdLst>
+    <p:notesMasterId r:id="rId7"/>
+  </p:notesMasterIdLst>
   <p:sldIdLst>
     <p:sldId id="256" r:id="rId2"/>
     <p:sldId id="258" r:id="rId3"/>
@@ -110,10 +113,727 @@
   </p:defaultTextStyle>
   <p:extLst>
     <p:ext uri="{EFAFB233-063F-42B5-8137-9DF3F51BA10A}">
-      <p15:sldGuideLst xmlns:p15="http://schemas.microsoft.com/office/powerpoint/2012/main"/>
+      <p15:sldGuideLst xmlns:p15="http://schemas.microsoft.com/office/powerpoint/2012/main" xmlns=""/>
     </p:ext>
   </p:extLst>
 </p:presentation>
+</file>
+
+<file path=ppt/notesMasters/notesMaster1.xml><?xml version="1.0" encoding="utf-8"?>
+<p:notesMaster xmlns:a="http://schemas.openxmlformats.org/drawingml/2006/main" xmlns:r="http://schemas.openxmlformats.org/officeDocument/2006/relationships" xmlns:p="http://schemas.openxmlformats.org/presentationml/2006/main">
+  <p:cSld>
+    <p:bg>
+      <p:bgRef idx="1001">
+        <a:schemeClr val="bg1"/>
+      </p:bgRef>
+    </p:bg>
+    <p:spTree>
+      <p:nvGrpSpPr>
+        <p:cNvPr id="1" name=""/>
+        <p:cNvGrpSpPr/>
+        <p:nvPr/>
+      </p:nvGrpSpPr>
+      <p:grpSpPr>
+        <a:xfrm>
+          <a:off x="0" y="0"/>
+          <a:ext cx="0" cy="0"/>
+          <a:chOff x="0" y="0"/>
+          <a:chExt cx="0" cy="0"/>
+        </a:xfrm>
+      </p:grpSpPr>
+      <p:sp>
+        <p:nvSpPr>
+          <p:cNvPr id="2" name="頁首版面配置區 1"/>
+          <p:cNvSpPr>
+            <a:spLocks noGrp="1"/>
+          </p:cNvSpPr>
+          <p:nvPr>
+            <p:ph type="hdr" sz="quarter"/>
+          </p:nvPr>
+        </p:nvSpPr>
+        <p:spPr>
+          <a:xfrm>
+            <a:off x="0" y="0"/>
+            <a:ext cx="2971800" cy="457200"/>
+          </a:xfrm>
+          <a:prstGeom prst="rect">
+            <a:avLst/>
+          </a:prstGeom>
+        </p:spPr>
+        <p:txBody>
+          <a:bodyPr vert="horz" lIns="91440" tIns="45720" rIns="91440" bIns="45720" rtlCol="0"/>
+          <a:lstStyle>
+            <a:lvl1pPr algn="l">
+              <a:defRPr sz="1200"/>
+            </a:lvl1pPr>
+          </a:lstStyle>
+          <a:p>
+            <a:endParaRPr kumimoji="1" lang="zh-TW" altLang="en-US"/>
+          </a:p>
+        </p:txBody>
+      </p:sp>
+      <p:sp>
+        <p:nvSpPr>
+          <p:cNvPr id="3" name="日期版面配置區 2"/>
+          <p:cNvSpPr>
+            <a:spLocks noGrp="1"/>
+          </p:cNvSpPr>
+          <p:nvPr>
+            <p:ph type="dt" idx="1"/>
+          </p:nvPr>
+        </p:nvSpPr>
+        <p:spPr>
+          <a:xfrm>
+            <a:off x="3884613" y="0"/>
+            <a:ext cx="2971800" cy="457200"/>
+          </a:xfrm>
+          <a:prstGeom prst="rect">
+            <a:avLst/>
+          </a:prstGeom>
+        </p:spPr>
+        <p:txBody>
+          <a:bodyPr vert="horz" lIns="91440" tIns="45720" rIns="91440" bIns="45720" rtlCol="0"/>
+          <a:lstStyle>
+            <a:lvl1pPr algn="r">
+              <a:defRPr sz="1200"/>
+            </a:lvl1pPr>
+          </a:lstStyle>
+          <a:p>
+            <a:fld id="{FF81B80E-AC28-0449-B7CD-9ED0D45851BA}" type="datetimeFigureOut">
+              <a:rPr kumimoji="1" lang="zh-TW" altLang="en-US" smtClean="0"/>
+              <a:t>2/23/17</a:t>
+            </a:fld>
+            <a:endParaRPr kumimoji="1" lang="zh-TW" altLang="en-US"/>
+          </a:p>
+        </p:txBody>
+      </p:sp>
+      <p:sp>
+        <p:nvSpPr>
+          <p:cNvPr id="4" name="投影片影像版面配置區 3"/>
+          <p:cNvSpPr>
+            <a:spLocks noGrp="1" noRot="1" noChangeAspect="1"/>
+          </p:cNvSpPr>
+          <p:nvPr>
+            <p:ph type="sldImg" idx="2"/>
+          </p:nvPr>
+        </p:nvSpPr>
+        <p:spPr>
+          <a:xfrm>
+            <a:off x="381000" y="685800"/>
+            <a:ext cx="6096000" cy="3429000"/>
+          </a:xfrm>
+          <a:prstGeom prst="rect">
+            <a:avLst/>
+          </a:prstGeom>
+          <a:noFill/>
+          <a:ln w="12700">
+            <a:solidFill>
+              <a:prstClr val="black"/>
+            </a:solidFill>
+          </a:ln>
+        </p:spPr>
+        <p:txBody>
+          <a:bodyPr vert="horz" lIns="91440" tIns="45720" rIns="91440" bIns="45720" rtlCol="0" anchor="ctr"/>
+          <a:lstStyle/>
+          <a:p>
+            <a:endParaRPr lang="zh-TW" altLang="en-US"/>
+          </a:p>
+        </p:txBody>
+      </p:sp>
+      <p:sp>
+        <p:nvSpPr>
+          <p:cNvPr id="5" name="備忘稿版面配置區 4"/>
+          <p:cNvSpPr>
+            <a:spLocks noGrp="1"/>
+          </p:cNvSpPr>
+          <p:nvPr>
+            <p:ph type="body" sz="quarter" idx="3"/>
+          </p:nvPr>
+        </p:nvSpPr>
+        <p:spPr>
+          <a:xfrm>
+            <a:off x="685800" y="4343400"/>
+            <a:ext cx="5486400" cy="4114800"/>
+          </a:xfrm>
+          <a:prstGeom prst="rect">
+            <a:avLst/>
+          </a:prstGeom>
+        </p:spPr>
+        <p:txBody>
+          <a:bodyPr vert="horz" lIns="91440" tIns="45720" rIns="91440" bIns="45720" rtlCol="0"/>
+          <a:lstStyle/>
+          <a:p>
+            <a:pPr lvl="0"/>
+            <a:r>
+              <a:rPr kumimoji="1" lang="zh-TW" altLang="en-US" smtClean="0"/>
+              <a:t>按一下以編輯母片文字樣式</a:t>
+            </a:r>
+          </a:p>
+          <a:p>
+            <a:pPr lvl="1"/>
+            <a:r>
+              <a:rPr kumimoji="1" lang="zh-TW" altLang="en-US" smtClean="0"/>
+              <a:t>第二層</a:t>
+            </a:r>
+          </a:p>
+          <a:p>
+            <a:pPr lvl="2"/>
+            <a:r>
+              <a:rPr kumimoji="1" lang="zh-TW" altLang="en-US" smtClean="0"/>
+              <a:t>第三層</a:t>
+            </a:r>
+          </a:p>
+          <a:p>
+            <a:pPr lvl="3"/>
+            <a:r>
+              <a:rPr kumimoji="1" lang="zh-TW" altLang="en-US" smtClean="0"/>
+              <a:t>第四層</a:t>
+            </a:r>
+          </a:p>
+          <a:p>
+            <a:pPr lvl="4"/>
+            <a:r>
+              <a:rPr kumimoji="1" lang="zh-TW" altLang="en-US" smtClean="0"/>
+              <a:t>第五層</a:t>
+            </a:r>
+            <a:endParaRPr kumimoji="1" lang="zh-TW" altLang="en-US"/>
+          </a:p>
+        </p:txBody>
+      </p:sp>
+      <p:sp>
+        <p:nvSpPr>
+          <p:cNvPr id="6" name="頁尾版面配置區 5"/>
+          <p:cNvSpPr>
+            <a:spLocks noGrp="1"/>
+          </p:cNvSpPr>
+          <p:nvPr>
+            <p:ph type="ftr" sz="quarter" idx="4"/>
+          </p:nvPr>
+        </p:nvSpPr>
+        <p:spPr>
+          <a:xfrm>
+            <a:off x="0" y="8685213"/>
+            <a:ext cx="2971800" cy="457200"/>
+          </a:xfrm>
+          <a:prstGeom prst="rect">
+            <a:avLst/>
+          </a:prstGeom>
+        </p:spPr>
+        <p:txBody>
+          <a:bodyPr vert="horz" lIns="91440" tIns="45720" rIns="91440" bIns="45720" rtlCol="0" anchor="b"/>
+          <a:lstStyle>
+            <a:lvl1pPr algn="l">
+              <a:defRPr sz="1200"/>
+            </a:lvl1pPr>
+          </a:lstStyle>
+          <a:p>
+            <a:endParaRPr kumimoji="1" lang="zh-TW" altLang="en-US"/>
+          </a:p>
+        </p:txBody>
+      </p:sp>
+      <p:sp>
+        <p:nvSpPr>
+          <p:cNvPr id="7" name="投影片編號版面配置區 6"/>
+          <p:cNvSpPr>
+            <a:spLocks noGrp="1"/>
+          </p:cNvSpPr>
+          <p:nvPr>
+            <p:ph type="sldNum" sz="quarter" idx="5"/>
+          </p:nvPr>
+        </p:nvSpPr>
+        <p:spPr>
+          <a:xfrm>
+            <a:off x="3884613" y="8685213"/>
+            <a:ext cx="2971800" cy="457200"/>
+          </a:xfrm>
+          <a:prstGeom prst="rect">
+            <a:avLst/>
+          </a:prstGeom>
+        </p:spPr>
+        <p:txBody>
+          <a:bodyPr vert="horz" lIns="91440" tIns="45720" rIns="91440" bIns="45720" rtlCol="0" anchor="b"/>
+          <a:lstStyle>
+            <a:lvl1pPr algn="r">
+              <a:defRPr sz="1200"/>
+            </a:lvl1pPr>
+          </a:lstStyle>
+          <a:p>
+            <a:fld id="{0076CC28-FB7C-F648-94A9-9359FA8551C9}" type="slidenum">
+              <a:rPr kumimoji="1" lang="zh-TW" altLang="en-US" smtClean="0"/>
+              <a:t>‹#›</a:t>
+            </a:fld>
+            <a:endParaRPr kumimoji="1" lang="zh-TW" altLang="en-US"/>
+          </a:p>
+        </p:txBody>
+      </p:sp>
+    </p:spTree>
+    <p:extLst>
+      <p:ext uri="{BB962C8B-B14F-4D97-AF65-F5344CB8AC3E}">
+        <p14:creationId xmlns:p14="http://schemas.microsoft.com/office/powerpoint/2010/main" val="3349259491"/>
+      </p:ext>
+    </p:extLst>
+  </p:cSld>
+  <p:clrMap bg1="lt1" tx1="dk1" bg2="lt2" tx2="dk2" accent1="accent1" accent2="accent2" accent3="accent3" accent4="accent4" accent5="accent5" accent6="accent6" hlink="hlink" folHlink="folHlink"/>
+  <p:notesStyle>
+    <a:lvl1pPr marL="0" algn="l" defTabSz="457200" rtl="0" eaLnBrk="1" latinLnBrk="0" hangingPunct="1">
+      <a:defRPr sz="1200" kern="1200">
+        <a:solidFill>
+          <a:schemeClr val="tx1"/>
+        </a:solidFill>
+        <a:latin typeface="+mn-lt"/>
+        <a:ea typeface="+mn-ea"/>
+        <a:cs typeface="+mn-cs"/>
+      </a:defRPr>
+    </a:lvl1pPr>
+    <a:lvl2pPr marL="457200" algn="l" defTabSz="457200" rtl="0" eaLnBrk="1" latinLnBrk="0" hangingPunct="1">
+      <a:defRPr sz="1200" kern="1200">
+        <a:solidFill>
+          <a:schemeClr val="tx1"/>
+        </a:solidFill>
+        <a:latin typeface="+mn-lt"/>
+        <a:ea typeface="+mn-ea"/>
+        <a:cs typeface="+mn-cs"/>
+      </a:defRPr>
+    </a:lvl2pPr>
+    <a:lvl3pPr marL="914400" algn="l" defTabSz="457200" rtl="0" eaLnBrk="1" latinLnBrk="0" hangingPunct="1">
+      <a:defRPr sz="1200" kern="1200">
+        <a:solidFill>
+          <a:schemeClr val="tx1"/>
+        </a:solidFill>
+        <a:latin typeface="+mn-lt"/>
+        <a:ea typeface="+mn-ea"/>
+        <a:cs typeface="+mn-cs"/>
+      </a:defRPr>
+    </a:lvl3pPr>
+    <a:lvl4pPr marL="1371600" algn="l" defTabSz="457200" rtl="0" eaLnBrk="1" latinLnBrk="0" hangingPunct="1">
+      <a:defRPr sz="1200" kern="1200">
+        <a:solidFill>
+          <a:schemeClr val="tx1"/>
+        </a:solidFill>
+        <a:latin typeface="+mn-lt"/>
+        <a:ea typeface="+mn-ea"/>
+        <a:cs typeface="+mn-cs"/>
+      </a:defRPr>
+    </a:lvl4pPr>
+    <a:lvl5pPr marL="1828800" algn="l" defTabSz="457200" rtl="0" eaLnBrk="1" latinLnBrk="0" hangingPunct="1">
+      <a:defRPr sz="1200" kern="1200">
+        <a:solidFill>
+          <a:schemeClr val="tx1"/>
+        </a:solidFill>
+        <a:latin typeface="+mn-lt"/>
+        <a:ea typeface="+mn-ea"/>
+        <a:cs typeface="+mn-cs"/>
+      </a:defRPr>
+    </a:lvl5pPr>
+    <a:lvl6pPr marL="2286000" algn="l" defTabSz="457200" rtl="0" eaLnBrk="1" latinLnBrk="0" hangingPunct="1">
+      <a:defRPr sz="1200" kern="1200">
+        <a:solidFill>
+          <a:schemeClr val="tx1"/>
+        </a:solidFill>
+        <a:latin typeface="+mn-lt"/>
+        <a:ea typeface="+mn-ea"/>
+        <a:cs typeface="+mn-cs"/>
+      </a:defRPr>
+    </a:lvl6pPr>
+    <a:lvl7pPr marL="2743200" algn="l" defTabSz="457200" rtl="0" eaLnBrk="1" latinLnBrk="0" hangingPunct="1">
+      <a:defRPr sz="1200" kern="1200">
+        <a:solidFill>
+          <a:schemeClr val="tx1"/>
+        </a:solidFill>
+        <a:latin typeface="+mn-lt"/>
+        <a:ea typeface="+mn-ea"/>
+        <a:cs typeface="+mn-cs"/>
+      </a:defRPr>
+    </a:lvl7pPr>
+    <a:lvl8pPr marL="3200400" algn="l" defTabSz="457200" rtl="0" eaLnBrk="1" latinLnBrk="0" hangingPunct="1">
+      <a:defRPr sz="1200" kern="1200">
+        <a:solidFill>
+          <a:schemeClr val="tx1"/>
+        </a:solidFill>
+        <a:latin typeface="+mn-lt"/>
+        <a:ea typeface="+mn-ea"/>
+        <a:cs typeface="+mn-cs"/>
+      </a:defRPr>
+    </a:lvl8pPr>
+    <a:lvl9pPr marL="3657600" algn="l" defTabSz="457200" rtl="0" eaLnBrk="1" latinLnBrk="0" hangingPunct="1">
+      <a:defRPr sz="1200" kern="1200">
+        <a:solidFill>
+          <a:schemeClr val="tx1"/>
+        </a:solidFill>
+        <a:latin typeface="+mn-lt"/>
+        <a:ea typeface="+mn-ea"/>
+        <a:cs typeface="+mn-cs"/>
+      </a:defRPr>
+    </a:lvl9pPr>
+  </p:notesStyle>
+</p:notesMaster>
+</file>
+
+<file path=ppt/notesSlides/notesSlide1.xml><?xml version="1.0" encoding="utf-8"?>
+<p:notes xmlns:a="http://schemas.openxmlformats.org/drawingml/2006/main" xmlns:r="http://schemas.openxmlformats.org/officeDocument/2006/relationships" xmlns:p="http://schemas.openxmlformats.org/presentationml/2006/main">
+  <p:cSld>
+    <p:spTree>
+      <p:nvGrpSpPr>
+        <p:cNvPr id="1" name=""/>
+        <p:cNvGrpSpPr/>
+        <p:nvPr/>
+      </p:nvGrpSpPr>
+      <p:grpSpPr>
+        <a:xfrm>
+          <a:off x="0" y="0"/>
+          <a:ext cx="0" cy="0"/>
+          <a:chOff x="0" y="0"/>
+          <a:chExt cx="0" cy="0"/>
+        </a:xfrm>
+      </p:grpSpPr>
+      <p:sp>
+        <p:nvSpPr>
+          <p:cNvPr id="2" name="投影片影像版面配置區 1"/>
+          <p:cNvSpPr>
+            <a:spLocks noGrp="1" noRot="1" noChangeAspect="1"/>
+          </p:cNvSpPr>
+          <p:nvPr>
+            <p:ph type="sldImg"/>
+          </p:nvPr>
+        </p:nvSpPr>
+        <p:spPr/>
+      </p:sp>
+      <p:sp>
+        <p:nvSpPr>
+          <p:cNvPr id="3" name="備忘稿版面配置區 2"/>
+          <p:cNvSpPr>
+            <a:spLocks noGrp="1"/>
+          </p:cNvSpPr>
+          <p:nvPr>
+            <p:ph type="body" idx="1"/>
+          </p:nvPr>
+        </p:nvSpPr>
+        <p:spPr/>
+        <p:txBody>
+          <a:bodyPr/>
+          <a:lstStyle/>
+          <a:p>
+            <a:r>
+              <a:rPr kumimoji="1" lang="en-US" altLang="zh-TW" dirty="0" smtClean="0"/>
+              <a:t>Ramen spectroscopy</a:t>
+            </a:r>
+          </a:p>
+          <a:p>
+            <a:r>
+              <a:rPr kumimoji="1" lang="en-US" altLang="zh-TW" dirty="0" smtClean="0"/>
+              <a:t>Electrochemical</a:t>
+            </a:r>
+            <a:r>
+              <a:rPr kumimoji="1" lang="en-US" altLang="zh-TW" baseline="0" dirty="0" smtClean="0"/>
+              <a:t> sensor </a:t>
+            </a:r>
+            <a:r>
+              <a:rPr kumimoji="1" lang="en-US" altLang="zh-TW" baseline="0" dirty="0" err="1" smtClean="0"/>
+              <a:t>voltometry</a:t>
+            </a:r>
+            <a:endParaRPr kumimoji="1" lang="en-US" altLang="zh-TW" baseline="0" dirty="0" smtClean="0"/>
+          </a:p>
+          <a:p>
+            <a:r>
+              <a:rPr kumimoji="1" lang="en-US" altLang="zh-TW" baseline="0" dirty="0" smtClean="0"/>
+              <a:t>Dr. </a:t>
+            </a:r>
+            <a:r>
+              <a:rPr kumimoji="1" lang="en-US" altLang="zh-TW" baseline="0" dirty="0" err="1" smtClean="0"/>
+              <a:t>Choo</a:t>
+            </a:r>
+            <a:r>
+              <a:rPr kumimoji="1" lang="en-US" altLang="zh-TW" baseline="0" dirty="0" smtClean="0"/>
+              <a:t> group</a:t>
+            </a:r>
+          </a:p>
+          <a:p>
+            <a:endParaRPr kumimoji="1" lang="en-US" altLang="zh-TW" baseline="0" dirty="0" smtClean="0"/>
+          </a:p>
+          <a:p>
+            <a:endParaRPr kumimoji="1" lang="en-US" altLang="zh-TW" baseline="0" dirty="0" smtClean="0"/>
+          </a:p>
+          <a:p>
+            <a:endParaRPr kumimoji="1" lang="en-US" altLang="zh-TW" baseline="0" dirty="0" smtClean="0"/>
+          </a:p>
+          <a:p>
+            <a:r>
+              <a:rPr kumimoji="1" lang="en-US" altLang="zh-TW" baseline="0" dirty="0" smtClean="0"/>
+              <a:t>Constant pressure</a:t>
+            </a:r>
+          </a:p>
+          <a:p>
+            <a:endParaRPr kumimoji="1" lang="en-US" altLang="zh-TW" baseline="0" dirty="0" smtClean="0"/>
+          </a:p>
+        </p:txBody>
+      </p:sp>
+      <p:sp>
+        <p:nvSpPr>
+          <p:cNvPr id="4" name="投影片編號版面配置區 3"/>
+          <p:cNvSpPr>
+            <a:spLocks noGrp="1"/>
+          </p:cNvSpPr>
+          <p:nvPr>
+            <p:ph type="sldNum" sz="quarter" idx="10"/>
+          </p:nvPr>
+        </p:nvSpPr>
+        <p:spPr/>
+        <p:txBody>
+          <a:bodyPr/>
+          <a:lstStyle/>
+          <a:p>
+            <a:fld id="{0076CC28-FB7C-F648-94A9-9359FA8551C9}" type="slidenum">
+              <a:rPr kumimoji="1" lang="zh-TW" altLang="en-US" smtClean="0"/>
+              <a:t>1</a:t>
+            </a:fld>
+            <a:endParaRPr kumimoji="1" lang="zh-TW" altLang="en-US"/>
+          </a:p>
+        </p:txBody>
+      </p:sp>
+    </p:spTree>
+    <p:extLst>
+      <p:ext uri="{BB962C8B-B14F-4D97-AF65-F5344CB8AC3E}">
+        <p14:creationId xmlns:p14="http://schemas.microsoft.com/office/powerpoint/2010/main" val="65837358"/>
+      </p:ext>
+    </p:extLst>
+  </p:cSld>
+  <p:clrMapOvr>
+    <a:masterClrMapping/>
+  </p:clrMapOvr>
+</p:notes>
+</file>
+
+<file path=ppt/notesSlides/notesSlide2.xml><?xml version="1.0" encoding="utf-8"?>
+<p:notes xmlns:a="http://schemas.openxmlformats.org/drawingml/2006/main" xmlns:r="http://schemas.openxmlformats.org/officeDocument/2006/relationships" xmlns:p="http://schemas.openxmlformats.org/presentationml/2006/main">
+  <p:cSld>
+    <p:spTree>
+      <p:nvGrpSpPr>
+        <p:cNvPr id="1" name=""/>
+        <p:cNvGrpSpPr/>
+        <p:nvPr/>
+      </p:nvGrpSpPr>
+      <p:grpSpPr>
+        <a:xfrm>
+          <a:off x="0" y="0"/>
+          <a:ext cx="0" cy="0"/>
+          <a:chOff x="0" y="0"/>
+          <a:chExt cx="0" cy="0"/>
+        </a:xfrm>
+      </p:grpSpPr>
+      <p:sp>
+        <p:nvSpPr>
+          <p:cNvPr id="2" name="投影片影像版面配置區 1"/>
+          <p:cNvSpPr>
+            <a:spLocks noGrp="1" noRot="1" noChangeAspect="1"/>
+          </p:cNvSpPr>
+          <p:nvPr>
+            <p:ph type="sldImg"/>
+          </p:nvPr>
+        </p:nvSpPr>
+        <p:spPr/>
+      </p:sp>
+      <p:sp>
+        <p:nvSpPr>
+          <p:cNvPr id="3" name="備忘稿版面配置區 2"/>
+          <p:cNvSpPr>
+            <a:spLocks noGrp="1"/>
+          </p:cNvSpPr>
+          <p:nvPr>
+            <p:ph type="body" idx="1"/>
+          </p:nvPr>
+        </p:nvSpPr>
+        <p:spPr/>
+        <p:txBody>
+          <a:bodyPr/>
+          <a:lstStyle/>
+          <a:p>
+            <a:pPr marL="0" marR="0" indent="0" algn="l" defTabSz="457200" rtl="0" eaLnBrk="1" fontAlgn="auto" latinLnBrk="0" hangingPunct="1">
+              <a:lnSpc>
+                <a:spcPct val="100000"/>
+              </a:lnSpc>
+              <a:spcBef>
+                <a:spcPts val="0"/>
+              </a:spcBef>
+              <a:spcAft>
+                <a:spcPts val="0"/>
+              </a:spcAft>
+              <a:buClrTx/>
+              <a:buSzTx/>
+              <a:buFontTx/>
+              <a:buNone/>
+              <a:tabLst/>
+              <a:defRPr/>
+            </a:pPr>
+            <a:r>
+              <a:rPr lang="en-US" altLang="zh-TW" dirty="0" smtClean="0"/>
+              <a:t>With </a:t>
+            </a:r>
+            <a:r>
+              <a:rPr lang="en-US" altLang="zh-TW" dirty="0" err="1" smtClean="0"/>
+              <a:t>parylene</a:t>
+            </a:r>
+            <a:r>
+              <a:rPr lang="en-US" altLang="zh-TW" dirty="0" smtClean="0"/>
+              <a:t> coating, the maximum flow rate is 65 mL/min for all cases.</a:t>
+            </a:r>
+          </a:p>
+          <a:p>
+            <a:endParaRPr kumimoji="1" lang="zh-TW" altLang="en-US" dirty="0"/>
+          </a:p>
+        </p:txBody>
+      </p:sp>
+      <p:sp>
+        <p:nvSpPr>
+          <p:cNvPr id="4" name="投影片編號版面配置區 3"/>
+          <p:cNvSpPr>
+            <a:spLocks noGrp="1"/>
+          </p:cNvSpPr>
+          <p:nvPr>
+            <p:ph type="sldNum" sz="quarter" idx="10"/>
+          </p:nvPr>
+        </p:nvSpPr>
+        <p:spPr/>
+        <p:txBody>
+          <a:bodyPr/>
+          <a:lstStyle/>
+          <a:p>
+            <a:fld id="{0076CC28-FB7C-F648-94A9-9359FA8551C9}" type="slidenum">
+              <a:rPr kumimoji="1" lang="zh-TW" altLang="en-US" smtClean="0"/>
+              <a:t>4</a:t>
+            </a:fld>
+            <a:endParaRPr kumimoji="1" lang="zh-TW" altLang="en-US"/>
+          </a:p>
+        </p:txBody>
+      </p:sp>
+    </p:spTree>
+    <p:extLst>
+      <p:ext uri="{BB962C8B-B14F-4D97-AF65-F5344CB8AC3E}">
+        <p14:creationId xmlns:p14="http://schemas.microsoft.com/office/powerpoint/2010/main" val="1059529018"/>
+      </p:ext>
+    </p:extLst>
+  </p:cSld>
+  <p:clrMapOvr>
+    <a:masterClrMapping/>
+  </p:clrMapOvr>
+</p:notes>
+</file>
+
+<file path=ppt/notesSlides/notesSlide3.xml><?xml version="1.0" encoding="utf-8"?>
+<p:notes xmlns:a="http://schemas.openxmlformats.org/drawingml/2006/main" xmlns:r="http://schemas.openxmlformats.org/officeDocument/2006/relationships" xmlns:p="http://schemas.openxmlformats.org/presentationml/2006/main">
+  <p:cSld>
+    <p:spTree>
+      <p:nvGrpSpPr>
+        <p:cNvPr id="1" name=""/>
+        <p:cNvGrpSpPr/>
+        <p:nvPr/>
+      </p:nvGrpSpPr>
+      <p:grpSpPr>
+        <a:xfrm>
+          <a:off x="0" y="0"/>
+          <a:ext cx="0" cy="0"/>
+          <a:chOff x="0" y="0"/>
+          <a:chExt cx="0" cy="0"/>
+        </a:xfrm>
+      </p:grpSpPr>
+      <p:sp>
+        <p:nvSpPr>
+          <p:cNvPr id="2" name="投影片影像版面配置區 1"/>
+          <p:cNvSpPr>
+            <a:spLocks noGrp="1" noRot="1" noChangeAspect="1"/>
+          </p:cNvSpPr>
+          <p:nvPr>
+            <p:ph type="sldImg"/>
+          </p:nvPr>
+        </p:nvSpPr>
+        <p:spPr/>
+      </p:sp>
+      <p:sp>
+        <p:nvSpPr>
+          <p:cNvPr id="3" name="備忘稿版面配置區 2"/>
+          <p:cNvSpPr>
+            <a:spLocks noGrp="1"/>
+          </p:cNvSpPr>
+          <p:nvPr>
+            <p:ph type="body" idx="1"/>
+          </p:nvPr>
+        </p:nvSpPr>
+        <p:spPr/>
+        <p:txBody>
+          <a:bodyPr/>
+          <a:lstStyle/>
+          <a:p>
+            <a:r>
+              <a:rPr kumimoji="1" lang="en-US" altLang="zh-TW" dirty="0" smtClean="0"/>
+              <a:t>Load</a:t>
+            </a:r>
+            <a:r>
+              <a:rPr kumimoji="1" lang="en-US" altLang="zh-TW" baseline="0" dirty="0" smtClean="0"/>
+              <a:t> &lt; 0??</a:t>
+            </a:r>
+            <a:br>
+              <a:rPr kumimoji="1" lang="en-US" altLang="zh-TW" baseline="0" dirty="0" smtClean="0"/>
+            </a:br>
+            <a:endParaRPr kumimoji="1" lang="en-US" altLang="zh-TW" baseline="0" dirty="0" smtClean="0"/>
+          </a:p>
+          <a:p>
+            <a:r>
+              <a:rPr lang="en-US" altLang="zh-TW" dirty="0" smtClean="0"/>
+              <a:t>Load significantly decreases when syringe plunger is coated with </a:t>
+            </a:r>
+            <a:r>
+              <a:rPr lang="en-US" altLang="zh-TW" dirty="0" err="1" smtClean="0"/>
+              <a:t>parylene</a:t>
+            </a:r>
+            <a:r>
+              <a:rPr lang="en-US" altLang="zh-TW" dirty="0" smtClean="0"/>
+              <a:t>.</a:t>
+            </a:r>
+          </a:p>
+          <a:p>
+            <a:r>
+              <a:rPr lang="en-US" altLang="zh-TW" dirty="0" smtClean="0"/>
+              <a:t>To maintain same flow rate, the load decreases corresponding to the decreasing flow resistant.</a:t>
+            </a:r>
+          </a:p>
+          <a:p>
+            <a:endParaRPr kumimoji="1" lang="zh-TW" altLang="en-US" dirty="0"/>
+          </a:p>
+        </p:txBody>
+      </p:sp>
+      <p:sp>
+        <p:nvSpPr>
+          <p:cNvPr id="4" name="投影片編號版面配置區 3"/>
+          <p:cNvSpPr>
+            <a:spLocks noGrp="1"/>
+          </p:cNvSpPr>
+          <p:nvPr>
+            <p:ph type="sldNum" sz="quarter" idx="10"/>
+          </p:nvPr>
+        </p:nvSpPr>
+        <p:spPr/>
+        <p:txBody>
+          <a:bodyPr/>
+          <a:lstStyle/>
+          <a:p>
+            <a:fld id="{0076CC28-FB7C-F648-94A9-9359FA8551C9}" type="slidenum">
+              <a:rPr kumimoji="1" lang="zh-TW" altLang="en-US" smtClean="0"/>
+              <a:t>5</a:t>
+            </a:fld>
+            <a:endParaRPr kumimoji="1" lang="zh-TW" altLang="en-US"/>
+          </a:p>
+        </p:txBody>
+      </p:sp>
+    </p:spTree>
+    <p:extLst>
+      <p:ext uri="{BB962C8B-B14F-4D97-AF65-F5344CB8AC3E}">
+        <p14:creationId xmlns:p14="http://schemas.microsoft.com/office/powerpoint/2010/main" val="1169934730"/>
+      </p:ext>
+    </p:extLst>
+  </p:cSld>
+  <p:clrMapOvr>
+    <a:masterClrMapping/>
+  </p:clrMapOvr>
+</p:notes>
 </file>
 
 <file path=ppt/slideLayouts/slideLayout1.xml><?xml version="1.0" encoding="utf-8"?>
@@ -247,7 +967,7 @@
           <a:p>
             <a:fld id="{27C78BFA-AE4B-4240-94B5-3BA327B38241}" type="datetimeFigureOut">
               <a:rPr lang="en-US" smtClean="0"/>
-              <a:t>2/23/2017</a:t>
+              <a:t>2/23/17</a:t>
             </a:fld>
             <a:endParaRPr lang="en-US"/>
           </a:p>
@@ -417,7 +1137,7 @@
           <a:p>
             <a:fld id="{27C78BFA-AE4B-4240-94B5-3BA327B38241}" type="datetimeFigureOut">
               <a:rPr lang="en-US" smtClean="0"/>
-              <a:t>2/23/2017</a:t>
+              <a:t>2/23/17</a:t>
             </a:fld>
             <a:endParaRPr lang="en-US"/>
           </a:p>
@@ -507,7 +1227,7 @@
         </p:nvSpPr>
         <p:spPr>
           <a:xfrm>
-            <a:off x="8724900" y="365125"/>
+            <a:off x="8724901" y="365125"/>
             <a:ext cx="2628900" cy="5811838"/>
           </a:xfrm>
         </p:spPr>
@@ -535,7 +1255,7 @@
         </p:nvSpPr>
         <p:spPr>
           <a:xfrm>
-            <a:off x="838200" y="365125"/>
+            <a:off x="838201" y="365125"/>
             <a:ext cx="7734300" cy="5811838"/>
           </a:xfrm>
         </p:spPr>
@@ -597,7 +1317,7 @@
           <a:p>
             <a:fld id="{27C78BFA-AE4B-4240-94B5-3BA327B38241}" type="datetimeFigureOut">
               <a:rPr lang="en-US" smtClean="0"/>
-              <a:t>2/23/2017</a:t>
+              <a:t>2/23/17</a:t>
             </a:fld>
             <a:endParaRPr lang="en-US"/>
           </a:p>
@@ -767,7 +1487,7 @@
           <a:p>
             <a:fld id="{27C78BFA-AE4B-4240-94B5-3BA327B38241}" type="datetimeFigureOut">
               <a:rPr lang="en-US" smtClean="0"/>
-              <a:t>2/23/2017</a:t>
+              <a:t>2/23/17</a:t>
             </a:fld>
             <a:endParaRPr lang="en-US"/>
           </a:p>
@@ -857,7 +1577,7 @@
         </p:nvSpPr>
         <p:spPr>
           <a:xfrm>
-            <a:off x="831850" y="1709738"/>
+            <a:off x="831851" y="1709740"/>
             <a:ext cx="10515600" cy="2852737"/>
           </a:xfrm>
         </p:spPr>
@@ -889,7 +1609,7 @@
         </p:nvSpPr>
         <p:spPr>
           <a:xfrm>
-            <a:off x="831850" y="4589463"/>
+            <a:off x="831851" y="4589465"/>
             <a:ext cx="10515600" cy="1500187"/>
           </a:xfrm>
         </p:spPr>
@@ -1013,7 +1733,7 @@
           <a:p>
             <a:fld id="{27C78BFA-AE4B-4240-94B5-3BA327B38241}" type="datetimeFigureOut">
               <a:rPr lang="en-US" smtClean="0"/>
-              <a:t>2/23/2017</a:t>
+              <a:t>2/23/17</a:t>
             </a:fld>
             <a:endParaRPr lang="en-US"/>
           </a:p>
@@ -1245,7 +1965,7 @@
           <a:p>
             <a:fld id="{27C78BFA-AE4B-4240-94B5-3BA327B38241}" type="datetimeFigureOut">
               <a:rPr lang="en-US" smtClean="0"/>
-              <a:t>2/23/2017</a:t>
+              <a:t>2/23/17</a:t>
             </a:fld>
             <a:endParaRPr lang="en-US"/>
           </a:p>
@@ -1335,7 +2055,7 @@
         </p:nvSpPr>
         <p:spPr>
           <a:xfrm>
-            <a:off x="839788" y="365125"/>
+            <a:off x="839788" y="365127"/>
             <a:ext cx="10515600" cy="1325563"/>
           </a:xfrm>
         </p:spPr>
@@ -1363,7 +2083,7 @@
         </p:nvSpPr>
         <p:spPr>
           <a:xfrm>
-            <a:off x="839788" y="1681163"/>
+            <a:off x="839789" y="1681163"/>
             <a:ext cx="5157787" cy="823912"/>
           </a:xfrm>
         </p:spPr>
@@ -1428,7 +2148,7 @@
         </p:nvSpPr>
         <p:spPr>
           <a:xfrm>
-            <a:off x="839788" y="2505075"/>
+            <a:off x="839789" y="2505075"/>
             <a:ext cx="5157787" cy="3684588"/>
           </a:xfrm>
         </p:spPr>
@@ -1485,7 +2205,7 @@
         </p:nvSpPr>
         <p:spPr>
           <a:xfrm>
-            <a:off x="6172200" y="1681163"/>
+            <a:off x="6172201" y="1681163"/>
             <a:ext cx="5183188" cy="823912"/>
           </a:xfrm>
         </p:spPr>
@@ -1550,7 +2270,7 @@
         </p:nvSpPr>
         <p:spPr>
           <a:xfrm>
-            <a:off x="6172200" y="2505075"/>
+            <a:off x="6172201" y="2505075"/>
             <a:ext cx="5183188" cy="3684588"/>
           </a:xfrm>
         </p:spPr>
@@ -1612,7 +2332,7 @@
           <a:p>
             <a:fld id="{27C78BFA-AE4B-4240-94B5-3BA327B38241}" type="datetimeFigureOut">
               <a:rPr lang="en-US" smtClean="0"/>
-              <a:t>2/23/2017</a:t>
+              <a:t>2/23/17</a:t>
             </a:fld>
             <a:endParaRPr lang="en-US"/>
           </a:p>
@@ -1730,7 +2450,7 @@
           <a:p>
             <a:fld id="{27C78BFA-AE4B-4240-94B5-3BA327B38241}" type="datetimeFigureOut">
               <a:rPr lang="en-US" smtClean="0"/>
-              <a:t>2/23/2017</a:t>
+              <a:t>2/23/17</a:t>
             </a:fld>
             <a:endParaRPr lang="en-US"/>
           </a:p>
@@ -1825,7 +2545,7 @@
           <a:p>
             <a:fld id="{27C78BFA-AE4B-4240-94B5-3BA327B38241}" type="datetimeFigureOut">
               <a:rPr lang="en-US" smtClean="0"/>
-              <a:t>2/23/2017</a:t>
+              <a:t>2/23/17</a:t>
             </a:fld>
             <a:endParaRPr lang="en-US"/>
           </a:p>
@@ -1947,7 +2667,7 @@
         </p:nvSpPr>
         <p:spPr>
           <a:xfrm>
-            <a:off x="5183188" y="987425"/>
+            <a:off x="5183188" y="987427"/>
             <a:ext cx="6172200" cy="4873625"/>
           </a:xfrm>
         </p:spPr>
@@ -2102,7 +2822,7 @@
           <a:p>
             <a:fld id="{27C78BFA-AE4B-4240-94B5-3BA327B38241}" type="datetimeFigureOut">
               <a:rPr lang="en-US" smtClean="0"/>
-              <a:t>2/23/2017</a:t>
+              <a:t>2/23/17</a:t>
             </a:fld>
             <a:endParaRPr lang="en-US"/>
           </a:p>
@@ -2224,7 +2944,7 @@
         </p:nvSpPr>
         <p:spPr>
           <a:xfrm>
-            <a:off x="5183188" y="987425"/>
+            <a:off x="5183188" y="987427"/>
             <a:ext cx="6172200" cy="4873625"/>
           </a:xfrm>
         </p:spPr>
@@ -2355,7 +3075,7 @@
           <a:p>
             <a:fld id="{27C78BFA-AE4B-4240-94B5-3BA327B38241}" type="datetimeFigureOut">
               <a:rPr lang="en-US" smtClean="0"/>
-              <a:t>2/23/2017</a:t>
+              <a:t>2/23/17</a:t>
             </a:fld>
             <a:endParaRPr lang="en-US"/>
           </a:p>
@@ -2450,7 +3170,7 @@
         </p:nvSpPr>
         <p:spPr>
           <a:xfrm>
-            <a:off x="838200" y="365125"/>
+            <a:off x="838200" y="365127"/>
             <a:ext cx="10515600" cy="1325563"/>
           </a:xfrm>
           <a:prstGeom prst="rect">
@@ -2545,7 +3265,7 @@
         </p:nvSpPr>
         <p:spPr>
           <a:xfrm>
-            <a:off x="838200" y="6356350"/>
+            <a:off x="838200" y="6356352"/>
             <a:ext cx="2743200" cy="365125"/>
           </a:xfrm>
           <a:prstGeom prst="rect">
@@ -2568,7 +3288,7 @@
           <a:p>
             <a:fld id="{27C78BFA-AE4B-4240-94B5-3BA327B38241}" type="datetimeFigureOut">
               <a:rPr lang="en-US" smtClean="0"/>
-              <a:t>2/23/2017</a:t>
+              <a:t>2/23/17</a:t>
             </a:fld>
             <a:endParaRPr lang="en-US"/>
           </a:p>
@@ -2586,7 +3306,7 @@
         </p:nvSpPr>
         <p:spPr>
           <a:xfrm>
-            <a:off x="4038600" y="6356350"/>
+            <a:off x="4038600" y="6356352"/>
             <a:ext cx="4114800" cy="365125"/>
           </a:xfrm>
           <a:prstGeom prst="rect">
@@ -2623,7 +3343,7 @@
         </p:nvSpPr>
         <p:spPr>
           <a:xfrm>
-            <a:off x="8610600" y="6356350"/>
+            <a:off x="8610600" y="6356352"/>
             <a:ext cx="2743200" cy="365125"/>
           </a:xfrm>
           <a:prstGeom prst="rect">
@@ -3024,7 +3744,7 @@
   <p:timing>
     <p:tnLst>
       <p:par>
-        <p:cTn id="1" dur="indefinite" restart="never" nodeType="tmRoot"/>
+        <p:cTn xmlns:p14="http://schemas.microsoft.com/office/powerpoint/2010/main" id="1" dur="indefinite" restart="never" nodeType="tmRoot"/>
       </p:par>
     </p:tnLst>
   </p:timing>
@@ -3070,7 +3790,7 @@
           <a:graphicData uri="http://schemas.openxmlformats.org/presentationml/2006/ole">
             <mc:AlternateContent xmlns:mc="http://schemas.openxmlformats.org/markup-compatibility/2006">
               <mc:Choice xmlns:v="urn:schemas-microsoft-com:vml" Requires="v">
-                <p:oleObj spid="_x0000_s1046" name="Acrobat Document" r:id="rId3" imgW="5486400" imgH="3771783" progId="AcroExch.Document.7">
+                <p:oleObj spid="_x0000_s1067" name="Acrobat Document" r:id="rId3" imgW="5486400" imgH="3771783" progId="AcroExch.Document.7">
                   <p:embed/>
                 </p:oleObj>
               </mc:Choice>
@@ -3127,7 +3847,7 @@
           <a:graphicData uri="http://schemas.openxmlformats.org/presentationml/2006/ole">
             <mc:AlternateContent xmlns:mc="http://schemas.openxmlformats.org/markup-compatibility/2006">
               <mc:Choice xmlns:v="urn:schemas-microsoft-com:vml" Requires="v">
-                <p:oleObj spid="_x0000_s1047" name="Acrobat Document" r:id="rId5" imgW="5486400" imgH="3771783" progId="AcroExch.Document.7">
+                <p:oleObj spid="_x0000_s1068" name="Acrobat Document" r:id="rId5" imgW="5486400" imgH="3771783" progId="AcroExch.Document.7">
                   <p:embed/>
                 </p:oleObj>
               </mc:Choice>
@@ -3184,7 +3904,7 @@
           <a:graphicData uri="http://schemas.openxmlformats.org/presentationml/2006/ole">
             <mc:AlternateContent xmlns:mc="http://schemas.openxmlformats.org/markup-compatibility/2006">
               <mc:Choice xmlns:v="urn:schemas-microsoft-com:vml" Requires="v">
-                <p:oleObj spid="_x0000_s1048" name="Acrobat Document" r:id="rId7" imgW="5486400" imgH="3771783" progId="AcroExch.Document.7">
+                <p:oleObj spid="_x0000_s1069" name="Acrobat Document" r:id="rId7" imgW="5486400" imgH="3771783" progId="AcroExch.Document.7">
                   <p:embed/>
                 </p:oleObj>
               </mc:Choice>
@@ -3241,7 +3961,7 @@
           <a:graphicData uri="http://schemas.openxmlformats.org/presentationml/2006/ole">
             <mc:AlternateContent xmlns:mc="http://schemas.openxmlformats.org/markup-compatibility/2006">
               <mc:Choice xmlns:v="urn:schemas-microsoft-com:vml" Requires="v">
-                <p:oleObj spid="_x0000_s1049" name="Acrobat Document" r:id="rId9" imgW="5486400" imgH="3771783" progId="AcroExch.Document.7">
+                <p:oleObj spid="_x0000_s1070" name="Acrobat Document" r:id="rId9" imgW="5486400" imgH="3771783" progId="AcroExch.Document.7">
                   <p:embed/>
                 </p:oleObj>
               </mc:Choice>
@@ -3289,7 +4009,7 @@
   <p:timing>
     <p:tnLst>
       <p:par>
-        <p:cTn id="1" dur="indefinite" restart="never" nodeType="tmRoot"/>
+        <p:cTn xmlns:p14="http://schemas.microsoft.com/office/powerpoint/2010/main" id="1" dur="indefinite" restart="never" nodeType="tmRoot"/>
       </p:par>
     </p:tnLst>
   </p:timing>
@@ -3335,7 +4055,7 @@
           <a:graphicData uri="http://schemas.openxmlformats.org/presentationml/2006/ole">
             <mc:AlternateContent xmlns:mc="http://schemas.openxmlformats.org/markup-compatibility/2006">
               <mc:Choice xmlns:v="urn:schemas-microsoft-com:vml" Requires="v">
-                <p:oleObj spid="_x0000_s2062" name="Acrobat Document" r:id="rId3" imgW="5486400" imgH="3771783" progId="AcroExch.Document.7">
+                <p:oleObj spid="_x0000_s2078" name="Acrobat Document" r:id="rId3" imgW="5486400" imgH="3771783" progId="AcroExch.Document.7">
                   <p:embed/>
                 </p:oleObj>
               </mc:Choice>
@@ -3392,7 +4112,7 @@
           <a:graphicData uri="http://schemas.openxmlformats.org/presentationml/2006/ole">
             <mc:AlternateContent xmlns:mc="http://schemas.openxmlformats.org/markup-compatibility/2006">
               <mc:Choice xmlns:v="urn:schemas-microsoft-com:vml" Requires="v">
-                <p:oleObj spid="_x0000_s2063" name="Acrobat Document" r:id="rId5" imgW="5486400" imgH="3771783" progId="AcroExch.Document.7">
+                <p:oleObj spid="_x0000_s2079" name="Acrobat Document" r:id="rId5" imgW="5486400" imgH="3771783" progId="AcroExch.Document.7">
                   <p:embed/>
                 </p:oleObj>
               </mc:Choice>
@@ -3449,7 +4169,7 @@
           <a:graphicData uri="http://schemas.openxmlformats.org/presentationml/2006/ole">
             <mc:AlternateContent xmlns:mc="http://schemas.openxmlformats.org/markup-compatibility/2006">
               <mc:Choice xmlns:v="urn:schemas-microsoft-com:vml" Requires="v">
-                <p:oleObj spid="_x0000_s2064" name="Acrobat Document" r:id="rId7" imgW="5486400" imgH="3771783" progId="AcroExch.Document.7">
+                <p:oleObj spid="_x0000_s2080" name="Acrobat Document" r:id="rId7" imgW="5486400" imgH="3771783" progId="AcroExch.Document.7">
                   <p:embed/>
                 </p:oleObj>
               </mc:Choice>
@@ -3494,6 +4214,13 @@
   <p:clrMapOvr>
     <a:masterClrMapping/>
   </p:clrMapOvr>
+  <p:timing>
+    <p:tnLst>
+      <p:par>
+        <p:cTn xmlns:p14="http://schemas.microsoft.com/office/powerpoint/2010/main" id="1" dur="indefinite" restart="never" nodeType="tmRoot"/>
+      </p:par>
+    </p:tnLst>
+  </p:timing>
 </p:sld>
 </file>
 
@@ -3529,19 +4256,19 @@
           </p:nvPr>
         </p:nvGraphicFramePr>
         <p:xfrm>
-          <a:off x="4114800" y="3402503"/>
+          <a:off x="4114800" y="3402505"/>
           <a:ext cx="4114800" cy="2828925"/>
         </p:xfrm>
         <a:graphic>
           <a:graphicData uri="http://schemas.openxmlformats.org/presentationml/2006/ole">
             <mc:AlternateContent xmlns:mc="http://schemas.openxmlformats.org/markup-compatibility/2006">
               <mc:Choice xmlns:v="urn:schemas-microsoft-com:vml" Requires="v">
-                <p:oleObj spid="_x0000_s3094" name="Acrobat Document" r:id="rId3" imgW="5486400" imgH="3771783" progId="AcroExch.Document.7">
+                <p:oleObj spid="_x0000_s3120" name="Acrobat Document" r:id="rId4" imgW="5486400" imgH="3771783" progId="AcroExch.Document.7">
                   <p:embed/>
                 </p:oleObj>
               </mc:Choice>
               <mc:Fallback>
-                <p:oleObj name="Acrobat Document" r:id="rId3" imgW="5486400" imgH="3771783" progId="AcroExch.Document.7">
+                <p:oleObj name="Acrobat Document" r:id="rId4" imgW="5486400" imgH="3771783" progId="AcroExch.Document.7">
                   <p:embed/>
                   <p:pic>
                     <p:nvPicPr>
@@ -3550,14 +4277,14 @@
                       <p:nvPr/>
                     </p:nvPicPr>
                     <p:blipFill>
-                      <a:blip r:embed="rId4"/>
+                      <a:blip r:embed="rId5"/>
                       <a:stretch>
                         <a:fillRect/>
                       </a:stretch>
                     </p:blipFill>
                     <p:spPr>
                       <a:xfrm>
-                        <a:off x="4114800" y="3402503"/>
+                        <a:off x="4114800" y="3402505"/>
                         <a:ext cx="4114800" cy="2828925"/>
                       </a:xfrm>
                       <a:prstGeom prst="rect">
@@ -3586,19 +4313,19 @@
           </p:nvPr>
         </p:nvGraphicFramePr>
         <p:xfrm>
-          <a:off x="8077200" y="573579"/>
+          <a:off x="8077200" y="573580"/>
           <a:ext cx="4114800" cy="2828925"/>
         </p:xfrm>
         <a:graphic>
           <a:graphicData uri="http://schemas.openxmlformats.org/presentationml/2006/ole">
             <mc:AlternateContent xmlns:mc="http://schemas.openxmlformats.org/markup-compatibility/2006">
               <mc:Choice xmlns:v="urn:schemas-microsoft-com:vml" Requires="v">
-                <p:oleObj spid="_x0000_s3095" name="Acrobat Document" r:id="rId5" imgW="5486400" imgH="3771783" progId="AcroExch.Document.7">
+                <p:oleObj spid="_x0000_s3121" name="Acrobat Document" r:id="rId6" imgW="5486400" imgH="3771783" progId="AcroExch.Document.7">
                   <p:embed/>
                 </p:oleObj>
               </mc:Choice>
               <mc:Fallback>
-                <p:oleObj name="Acrobat Document" r:id="rId5" imgW="5486400" imgH="3771783" progId="AcroExch.Document.7">
+                <p:oleObj name="Acrobat Document" r:id="rId6" imgW="5486400" imgH="3771783" progId="AcroExch.Document.7">
                   <p:embed/>
                   <p:pic>
                     <p:nvPicPr>
@@ -3607,14 +4334,14 @@
                       <p:nvPr/>
                     </p:nvPicPr>
                     <p:blipFill>
-                      <a:blip r:embed="rId6"/>
+                      <a:blip r:embed="rId7"/>
                       <a:stretch>
                         <a:fillRect/>
                       </a:stretch>
                     </p:blipFill>
                     <p:spPr>
                       <a:xfrm>
-                        <a:off x="8077200" y="573579"/>
+                        <a:off x="8077200" y="573580"/>
                         <a:ext cx="4114800" cy="2828925"/>
                       </a:xfrm>
                       <a:prstGeom prst="rect">
@@ -3643,19 +4370,19 @@
           </p:nvPr>
         </p:nvGraphicFramePr>
         <p:xfrm>
-          <a:off x="0" y="573579"/>
+          <a:off x="0" y="573580"/>
           <a:ext cx="4114800" cy="2828925"/>
         </p:xfrm>
         <a:graphic>
           <a:graphicData uri="http://schemas.openxmlformats.org/presentationml/2006/ole">
             <mc:AlternateContent xmlns:mc="http://schemas.openxmlformats.org/markup-compatibility/2006">
               <mc:Choice xmlns:v="urn:schemas-microsoft-com:vml" Requires="v">
-                <p:oleObj spid="_x0000_s3096" name="Acrobat Document" r:id="rId7" imgW="5486400" imgH="3771783" progId="AcroExch.Document.7">
+                <p:oleObj spid="_x0000_s3122" name="Acrobat Document" r:id="rId8" imgW="5486400" imgH="3771783" progId="AcroExch.Document.7">
                   <p:embed/>
                 </p:oleObj>
               </mc:Choice>
               <mc:Fallback>
-                <p:oleObj name="Acrobat Document" r:id="rId7" imgW="5486400" imgH="3771783" progId="AcroExch.Document.7">
+                <p:oleObj name="Acrobat Document" r:id="rId8" imgW="5486400" imgH="3771783" progId="AcroExch.Document.7">
                   <p:embed/>
                   <p:pic>
                     <p:nvPicPr>
@@ -3664,14 +4391,14 @@
                       <p:nvPr/>
                     </p:nvPicPr>
                     <p:blipFill>
-                      <a:blip r:embed="rId8"/>
+                      <a:blip r:embed="rId9"/>
                       <a:stretch>
                         <a:fillRect/>
                       </a:stretch>
                     </p:blipFill>
                     <p:spPr>
                       <a:xfrm>
-                        <a:off x="0" y="573579"/>
+                        <a:off x="0" y="573580"/>
                         <a:ext cx="4114800" cy="2828925"/>
                       </a:xfrm>
                       <a:prstGeom prst="rect">
@@ -3700,19 +4427,19 @@
           </p:nvPr>
         </p:nvGraphicFramePr>
         <p:xfrm>
-          <a:off x="0" y="3402504"/>
+          <a:off x="0" y="3402506"/>
           <a:ext cx="4114800" cy="2828925"/>
         </p:xfrm>
         <a:graphic>
           <a:graphicData uri="http://schemas.openxmlformats.org/presentationml/2006/ole">
             <mc:AlternateContent xmlns:mc="http://schemas.openxmlformats.org/markup-compatibility/2006">
               <mc:Choice xmlns:v="urn:schemas-microsoft-com:vml" Requires="v">
-                <p:oleObj spid="_x0000_s3097" name="Acrobat Document" r:id="rId9" imgW="5486400" imgH="3771783" progId="AcroExch.Document.7">
+                <p:oleObj spid="_x0000_s3123" name="Acrobat Document" r:id="rId10" imgW="5486400" imgH="3771783" progId="AcroExch.Document.7">
                   <p:embed/>
                 </p:oleObj>
               </mc:Choice>
               <mc:Fallback>
-                <p:oleObj name="Acrobat Document" r:id="rId9" imgW="5486400" imgH="3771783" progId="AcroExch.Document.7">
+                <p:oleObj name="Acrobat Document" r:id="rId10" imgW="5486400" imgH="3771783" progId="AcroExch.Document.7">
                   <p:embed/>
                   <p:pic>
                     <p:nvPicPr>
@@ -3721,14 +4448,14 @@
                       <p:nvPr/>
                     </p:nvPicPr>
                     <p:blipFill>
-                      <a:blip r:embed="rId10"/>
+                      <a:blip r:embed="rId11"/>
                       <a:stretch>
                         <a:fillRect/>
                       </a:stretch>
                     </p:blipFill>
                     <p:spPr>
                       <a:xfrm>
-                        <a:off x="0" y="3402504"/>
+                        <a:off x="0" y="3402506"/>
                         <a:ext cx="4114800" cy="2828925"/>
                       </a:xfrm>
                       <a:prstGeom prst="rect">
@@ -3757,19 +4484,19 @@
           </p:nvPr>
         </p:nvGraphicFramePr>
         <p:xfrm>
-          <a:off x="4038600" y="573579"/>
+          <a:off x="4038600" y="573580"/>
           <a:ext cx="4114800" cy="2828925"/>
         </p:xfrm>
         <a:graphic>
           <a:graphicData uri="http://schemas.openxmlformats.org/presentationml/2006/ole">
             <mc:AlternateContent xmlns:mc="http://schemas.openxmlformats.org/markup-compatibility/2006">
               <mc:Choice xmlns:v="urn:schemas-microsoft-com:vml" Requires="v">
-                <p:oleObj spid="_x0000_s3098" name="Acrobat Document" r:id="rId11" imgW="5486400" imgH="3771783" progId="AcroExch.Document.7">
+                <p:oleObj spid="_x0000_s3124" name="Acrobat Document" r:id="rId12" imgW="5486400" imgH="3771783" progId="AcroExch.Document.7">
                   <p:embed/>
                 </p:oleObj>
               </mc:Choice>
               <mc:Fallback>
-                <p:oleObj name="Acrobat Document" r:id="rId11" imgW="5486400" imgH="3771783" progId="AcroExch.Document.7">
+                <p:oleObj name="Acrobat Document" r:id="rId12" imgW="5486400" imgH="3771783" progId="AcroExch.Document.7">
                   <p:embed/>
                   <p:pic>
                     <p:nvPicPr>
@@ -3778,14 +4505,14 @@
                       <p:nvPr/>
                     </p:nvPicPr>
                     <p:blipFill>
-                      <a:blip r:embed="rId12"/>
+                      <a:blip r:embed="rId13"/>
                       <a:stretch>
                         <a:fillRect/>
                       </a:stretch>
                     </p:blipFill>
                     <p:spPr>
                       <a:xfrm>
-                        <a:off x="4038600" y="573579"/>
+                        <a:off x="4038600" y="573580"/>
                         <a:ext cx="4114800" cy="2828925"/>
                       </a:xfrm>
                       <a:prstGeom prst="rect">
@@ -3799,43 +4526,6 @@
           </a:graphicData>
         </a:graphic>
       </p:graphicFrame>
-      <p:sp>
-        <p:nvSpPr>
-          <p:cNvPr id="7" name="TextBox 6"/>
-          <p:cNvSpPr txBox="1"/>
-          <p:nvPr/>
-        </p:nvSpPr>
-        <p:spPr>
-          <a:xfrm>
-            <a:off x="8287789" y="3906982"/>
-            <a:ext cx="3474720" cy="923330"/>
-          </a:xfrm>
-          <a:prstGeom prst="rect">
-            <a:avLst/>
-          </a:prstGeom>
-          <a:noFill/>
-        </p:spPr>
-        <p:txBody>
-          <a:bodyPr wrap="square" rtlCol="0">
-            <a:spAutoFit/>
-          </a:bodyPr>
-          <a:lstStyle/>
-          <a:p>
-            <a:r>
-              <a:rPr lang="en-US" dirty="0" smtClean="0"/>
-              <a:t>With </a:t>
-            </a:r>
-            <a:r>
-              <a:rPr lang="en-US" dirty="0" err="1" smtClean="0"/>
-              <a:t>parylene</a:t>
-            </a:r>
-            <a:r>
-              <a:rPr lang="en-US" dirty="0" smtClean="0"/>
-              <a:t> coating, the maximum flow rate is 65 mL/min for all cases.</a:t>
-            </a:r>
-          </a:p>
-        </p:txBody>
-      </p:sp>
     </p:spTree>
     <p:extLst>
       <p:ext uri="{BB962C8B-B14F-4D97-AF65-F5344CB8AC3E}">
@@ -3846,6 +4536,13 @@
   <p:clrMapOvr>
     <a:masterClrMapping/>
   </p:clrMapOvr>
+  <p:timing>
+    <p:tnLst>
+      <p:par>
+        <p:cTn xmlns:p14="http://schemas.microsoft.com/office/powerpoint/2010/main" id="1" dur="indefinite" restart="never" nodeType="tmRoot"/>
+      </p:par>
+    </p:tnLst>
+  </p:timing>
 </p:sld>
 </file>
 
@@ -3881,19 +4578,19 @@
           </p:nvPr>
         </p:nvGraphicFramePr>
         <p:xfrm>
-          <a:off x="4038600" y="581890"/>
+          <a:off x="4038600" y="581892"/>
           <a:ext cx="4114800" cy="2828925"/>
         </p:xfrm>
         <a:graphic>
           <a:graphicData uri="http://schemas.openxmlformats.org/presentationml/2006/ole">
             <mc:AlternateContent xmlns:mc="http://schemas.openxmlformats.org/markup-compatibility/2006">
               <mc:Choice xmlns:v="urn:schemas-microsoft-com:vml" Requires="v">
-                <p:oleObj spid="_x0000_s4113" name="Acrobat Document" r:id="rId3" imgW="5486400" imgH="3771783" progId="AcroExch.Document.7">
+                <p:oleObj spid="_x0000_s4139" name="Acrobat Document" r:id="rId4" imgW="5486400" imgH="3771783" progId="AcroExch.Document.7">
                   <p:embed/>
                 </p:oleObj>
               </mc:Choice>
               <mc:Fallback>
-                <p:oleObj name="Acrobat Document" r:id="rId3" imgW="5486400" imgH="3771783" progId="AcroExch.Document.7">
+                <p:oleObj name="Acrobat Document" r:id="rId4" imgW="5486400" imgH="3771783" progId="AcroExch.Document.7">
                   <p:embed/>
                   <p:pic>
                     <p:nvPicPr>
@@ -3902,14 +4599,14 @@
                       <p:nvPr/>
                     </p:nvPicPr>
                     <p:blipFill>
-                      <a:blip r:embed="rId4"/>
+                      <a:blip r:embed="rId5"/>
                       <a:stretch>
                         <a:fillRect/>
                       </a:stretch>
                     </p:blipFill>
                     <p:spPr>
                       <a:xfrm>
-                        <a:off x="4038600" y="581890"/>
+                        <a:off x="4038600" y="581892"/>
                         <a:ext cx="4114800" cy="2828925"/>
                       </a:xfrm>
                       <a:prstGeom prst="rect">
@@ -3938,19 +4635,19 @@
           </p:nvPr>
         </p:nvGraphicFramePr>
         <p:xfrm>
-          <a:off x="4038600" y="3410813"/>
+          <a:off x="4038600" y="3410815"/>
           <a:ext cx="4114800" cy="2828925"/>
         </p:xfrm>
         <a:graphic>
           <a:graphicData uri="http://schemas.openxmlformats.org/presentationml/2006/ole">
             <mc:AlternateContent xmlns:mc="http://schemas.openxmlformats.org/markup-compatibility/2006">
               <mc:Choice xmlns:v="urn:schemas-microsoft-com:vml" Requires="v">
-                <p:oleObj spid="_x0000_s4114" name="Acrobat Document" r:id="rId5" imgW="5486400" imgH="3771783" progId="AcroExch.Document.7">
+                <p:oleObj spid="_x0000_s4140" name="Acrobat Document" r:id="rId6" imgW="5486400" imgH="3771783" progId="AcroExch.Document.7">
                   <p:embed/>
                 </p:oleObj>
               </mc:Choice>
               <mc:Fallback>
-                <p:oleObj name="Acrobat Document" r:id="rId5" imgW="5486400" imgH="3771783" progId="AcroExch.Document.7">
+                <p:oleObj name="Acrobat Document" r:id="rId6" imgW="5486400" imgH="3771783" progId="AcroExch.Document.7">
                   <p:embed/>
                   <p:pic>
                     <p:nvPicPr>
@@ -3959,14 +4656,14 @@
                       <p:nvPr/>
                     </p:nvPicPr>
                     <p:blipFill>
-                      <a:blip r:embed="rId6"/>
+                      <a:blip r:embed="rId7"/>
                       <a:stretch>
                         <a:fillRect/>
                       </a:stretch>
                     </p:blipFill>
                     <p:spPr>
                       <a:xfrm>
-                        <a:off x="4038600" y="3410813"/>
+                        <a:off x="4038600" y="3410815"/>
                         <a:ext cx="4114800" cy="2828925"/>
                       </a:xfrm>
                       <a:prstGeom prst="rect">
@@ -3995,19 +4692,19 @@
           </p:nvPr>
         </p:nvGraphicFramePr>
         <p:xfrm>
-          <a:off x="8077200" y="581891"/>
+          <a:off x="8077200" y="581893"/>
           <a:ext cx="4114800" cy="2828925"/>
         </p:xfrm>
         <a:graphic>
           <a:graphicData uri="http://schemas.openxmlformats.org/presentationml/2006/ole">
             <mc:AlternateContent xmlns:mc="http://schemas.openxmlformats.org/markup-compatibility/2006">
               <mc:Choice xmlns:v="urn:schemas-microsoft-com:vml" Requires="v">
-                <p:oleObj spid="_x0000_s4115" name="Acrobat Document" r:id="rId7" imgW="5486400" imgH="3771783" progId="AcroExch.Document.7">
+                <p:oleObj spid="_x0000_s4141" name="Acrobat Document" r:id="rId8" imgW="5486400" imgH="3771783" progId="AcroExch.Document.7">
                   <p:embed/>
                 </p:oleObj>
               </mc:Choice>
               <mc:Fallback>
-                <p:oleObj name="Acrobat Document" r:id="rId7" imgW="5486400" imgH="3771783" progId="AcroExch.Document.7">
+                <p:oleObj name="Acrobat Document" r:id="rId8" imgW="5486400" imgH="3771783" progId="AcroExch.Document.7">
                   <p:embed/>
                   <p:pic>
                     <p:nvPicPr>
@@ -4016,14 +4713,14 @@
                       <p:nvPr/>
                     </p:nvPicPr>
                     <p:blipFill>
-                      <a:blip r:embed="rId8"/>
+                      <a:blip r:embed="rId9"/>
                       <a:stretch>
                         <a:fillRect/>
                       </a:stretch>
                     </p:blipFill>
                     <p:spPr>
                       <a:xfrm>
-                        <a:off x="8077200" y="581891"/>
+                        <a:off x="8077200" y="581893"/>
                         <a:ext cx="4114800" cy="2828925"/>
                       </a:xfrm>
                       <a:prstGeom prst="rect">
@@ -4052,19 +4749,19 @@
           </p:nvPr>
         </p:nvGraphicFramePr>
         <p:xfrm>
-          <a:off x="0" y="581891"/>
+          <a:off x="0" y="581893"/>
           <a:ext cx="4114800" cy="2828925"/>
         </p:xfrm>
         <a:graphic>
           <a:graphicData uri="http://schemas.openxmlformats.org/presentationml/2006/ole">
             <mc:AlternateContent xmlns:mc="http://schemas.openxmlformats.org/markup-compatibility/2006">
               <mc:Choice xmlns:v="urn:schemas-microsoft-com:vml" Requires="v">
-                <p:oleObj spid="_x0000_s4116" name="Acrobat Document" r:id="rId9" imgW="5486400" imgH="3771783" progId="AcroExch.Document.7">
+                <p:oleObj spid="_x0000_s4142" name="Acrobat Document" r:id="rId10" imgW="5486400" imgH="3771783" progId="AcroExch.Document.7">
                   <p:embed/>
                 </p:oleObj>
               </mc:Choice>
               <mc:Fallback>
-                <p:oleObj name="Acrobat Document" r:id="rId9" imgW="5486400" imgH="3771783" progId="AcroExch.Document.7">
+                <p:oleObj name="Acrobat Document" r:id="rId10" imgW="5486400" imgH="3771783" progId="AcroExch.Document.7">
                   <p:embed/>
                   <p:pic>
                     <p:nvPicPr>
@@ -4073,14 +4770,14 @@
                       <p:nvPr/>
                     </p:nvPicPr>
                     <p:blipFill>
-                      <a:blip r:embed="rId10"/>
+                      <a:blip r:embed="rId11"/>
                       <a:stretch>
                         <a:fillRect/>
                       </a:stretch>
                     </p:blipFill>
                     <p:spPr>
                       <a:xfrm>
-                        <a:off x="0" y="581891"/>
+                        <a:off x="0" y="581893"/>
                         <a:ext cx="4114800" cy="2828925"/>
                       </a:xfrm>
                       <a:prstGeom prst="rect">
@@ -4109,19 +4806,19 @@
           </p:nvPr>
         </p:nvGraphicFramePr>
         <p:xfrm>
-          <a:off x="0" y="3410814"/>
+          <a:off x="0" y="3410816"/>
           <a:ext cx="4114800" cy="2828925"/>
         </p:xfrm>
         <a:graphic>
           <a:graphicData uri="http://schemas.openxmlformats.org/presentationml/2006/ole">
             <mc:AlternateContent xmlns:mc="http://schemas.openxmlformats.org/markup-compatibility/2006">
               <mc:Choice xmlns:v="urn:schemas-microsoft-com:vml" Requires="v">
-                <p:oleObj spid="_x0000_s4117" name="Acrobat Document" r:id="rId11" imgW="5486400" imgH="3771783" progId="AcroExch.Document.7">
+                <p:oleObj spid="_x0000_s4143" name="Acrobat Document" r:id="rId12" imgW="5486400" imgH="3771783" progId="AcroExch.Document.7">
                   <p:embed/>
                 </p:oleObj>
               </mc:Choice>
               <mc:Fallback>
-                <p:oleObj name="Acrobat Document" r:id="rId11" imgW="5486400" imgH="3771783" progId="AcroExch.Document.7">
+                <p:oleObj name="Acrobat Document" r:id="rId12" imgW="5486400" imgH="3771783" progId="AcroExch.Document.7">
                   <p:embed/>
                   <p:pic>
                     <p:nvPicPr>
@@ -4130,14 +4827,14 @@
                       <p:nvPr/>
                     </p:nvPicPr>
                     <p:blipFill>
-                      <a:blip r:embed="rId12"/>
+                      <a:blip r:embed="rId13"/>
                       <a:stretch>
                         <a:fillRect/>
                       </a:stretch>
                     </p:blipFill>
                     <p:spPr>
                       <a:xfrm>
-                        <a:off x="0" y="3410814"/>
+                        <a:off x="0" y="3410816"/>
                         <a:ext cx="4114800" cy="2828925"/>
                       </a:xfrm>
                       <a:prstGeom prst="rect">
@@ -4151,52 +4848,6 @@
           </a:graphicData>
         </a:graphic>
       </p:graphicFrame>
-      <p:sp>
-        <p:nvSpPr>
-          <p:cNvPr id="7" name="TextBox 6"/>
-          <p:cNvSpPr txBox="1"/>
-          <p:nvPr/>
-        </p:nvSpPr>
-        <p:spPr>
-          <a:xfrm>
-            <a:off x="8287789" y="3906982"/>
-            <a:ext cx="3474720" cy="2031325"/>
-          </a:xfrm>
-          <a:prstGeom prst="rect">
-            <a:avLst/>
-          </a:prstGeom>
-          <a:noFill/>
-        </p:spPr>
-        <p:txBody>
-          <a:bodyPr wrap="square" rtlCol="0">
-            <a:spAutoFit/>
-          </a:bodyPr>
-          <a:lstStyle/>
-          <a:p>
-            <a:r>
-              <a:rPr lang="en-US" dirty="0" smtClean="0"/>
-              <a:t>Load significantly decreases when syringe plunger is coated with </a:t>
-            </a:r>
-            <a:r>
-              <a:rPr lang="en-US" dirty="0" err="1" smtClean="0"/>
-              <a:t>parylene</a:t>
-            </a:r>
-            <a:r>
-              <a:rPr lang="en-US" dirty="0" smtClean="0"/>
-              <a:t>.</a:t>
-            </a:r>
-          </a:p>
-          <a:p>
-            <a:r>
-              <a:rPr lang="en-US" dirty="0" smtClean="0"/>
-              <a:t>To maintain same flow rate, the load decreases corresponding to the decreasing flow resistant.</a:t>
-            </a:r>
-          </a:p>
-          <a:p>
-            <a:endParaRPr lang="en-US" dirty="0" smtClean="0"/>
-          </a:p>
-        </p:txBody>
-      </p:sp>
     </p:spTree>
     <p:extLst>
       <p:ext uri="{BB962C8B-B14F-4D97-AF65-F5344CB8AC3E}">
@@ -4207,6 +4858,13 @@
   <p:clrMapOvr>
     <a:masterClrMapping/>
   </p:clrMapOvr>
+  <p:timing>
+    <p:tnLst>
+      <p:par>
+        <p:cTn xmlns:p14="http://schemas.microsoft.com/office/powerpoint/2010/main" id="1" dur="indefinite" restart="never" nodeType="tmRoot"/>
+      </p:par>
+    </p:tnLst>
+  </p:timing>
 </p:sld>
 </file>
 
@@ -4253,7 +4911,7 @@
     </a:clrScheme>
     <a:fontScheme name="Office">
       <a:majorFont>
-        <a:latin typeface="Calibri Light" panose="020F0302020204030204"/>
+        <a:latin typeface="Calibri Light"/>
         <a:ea typeface=""/>
         <a:cs typeface=""/>
         <a:font script="Jpan" typeface="游ゴシック Light"/>
@@ -4288,7 +4946,7 @@
         <a:font script="Geor" typeface="Sylfaen"/>
       </a:majorFont>
       <a:minorFont>
-        <a:latin typeface="Calibri" panose="020F0502020204030204"/>
+        <a:latin typeface="Calibri"/>
         <a:ea typeface=""/>
         <a:cs typeface=""/>
         <a:font script="Jpan" typeface="游ゴシック"/>
@@ -4465,8 +5123,328 @@
   <a:extraClrSchemeLst/>
   <a:extLst>
     <a:ext uri="{05A4C25C-085E-4340-85A3-A5531E510DB2}">
-      <thm15:themeFamily xmlns:thm15="http://schemas.microsoft.com/office/thememl/2012/main" name="Office Theme" id="{62F939B6-93AF-4DB8-9C6B-D6C7DFDC589F}" vid="{4A3C46E8-61CC-4603-A589-7422A47A8E4A}"/>
+      <thm15:themeFamily xmlns:thm15="http://schemas.microsoft.com/office/thememl/2012/main" xmlns="" name="Office Theme" id="{62F939B6-93AF-4DB8-9C6B-D6C7DFDC589F}" vid="{4A3C46E8-61CC-4603-A589-7422A47A8E4A}"/>
     </a:ext>
   </a:extLst>
 </a:theme>
+</file>
+
+<file path=ppt/theme/theme2.xml><?xml version="1.0" encoding="utf-8"?>
+<a:theme xmlns:a="http://schemas.openxmlformats.org/drawingml/2006/main" name="Office 佈景主題">
+  <a:themeElements>
+    <a:clrScheme name="Office">
+      <a:dk1>
+        <a:sysClr val="windowText" lastClr="000000"/>
+      </a:dk1>
+      <a:lt1>
+        <a:sysClr val="window" lastClr="FFFFFF"/>
+      </a:lt1>
+      <a:dk2>
+        <a:srgbClr val="1F497D"/>
+      </a:dk2>
+      <a:lt2>
+        <a:srgbClr val="EEECE1"/>
+      </a:lt2>
+      <a:accent1>
+        <a:srgbClr val="4F81BD"/>
+      </a:accent1>
+      <a:accent2>
+        <a:srgbClr val="C0504D"/>
+      </a:accent2>
+      <a:accent3>
+        <a:srgbClr val="9BBB59"/>
+      </a:accent3>
+      <a:accent4>
+        <a:srgbClr val="8064A2"/>
+      </a:accent4>
+      <a:accent5>
+        <a:srgbClr val="4BACC6"/>
+      </a:accent5>
+      <a:accent6>
+        <a:srgbClr val="F79646"/>
+      </a:accent6>
+      <a:hlink>
+        <a:srgbClr val="0000FF"/>
+      </a:hlink>
+      <a:folHlink>
+        <a:srgbClr val="800080"/>
+      </a:folHlink>
+    </a:clrScheme>
+    <a:fontScheme name="Office">
+      <a:majorFont>
+        <a:latin typeface="Calibri"/>
+        <a:ea typeface=""/>
+        <a:cs typeface=""/>
+        <a:font script="Jpan" typeface="ＭＳ Ｐゴシック"/>
+        <a:font script="Hang" typeface="맑은 고딕"/>
+        <a:font script="Hans" typeface="宋体"/>
+        <a:font script="Hant" typeface="新細明體"/>
+        <a:font script="Arab" typeface="Times New Roman"/>
+        <a:font script="Hebr" typeface="Times New Roman"/>
+        <a:font script="Thai" typeface="Angsana New"/>
+        <a:font script="Ethi" typeface="Nyala"/>
+        <a:font script="Beng" typeface="Vrinda"/>
+        <a:font script="Gujr" typeface="Shruti"/>
+        <a:font script="Khmr" typeface="MoolBoran"/>
+        <a:font script="Knda" typeface="Tunga"/>
+        <a:font script="Guru" typeface="Raavi"/>
+        <a:font script="Cans" typeface="Euphemia"/>
+        <a:font script="Cher" typeface="Plantagenet Cherokee"/>
+        <a:font script="Yiii" typeface="Microsoft Yi Baiti"/>
+        <a:font script="Tibt" typeface="Microsoft Himalaya"/>
+        <a:font script="Thaa" typeface="MV Boli"/>
+        <a:font script="Deva" typeface="Mangal"/>
+        <a:font script="Telu" typeface="Gautami"/>
+        <a:font script="Taml" typeface="Latha"/>
+        <a:font script="Syrc" typeface="Estrangelo Edessa"/>
+        <a:font script="Orya" typeface="Kalinga"/>
+        <a:font script="Mlym" typeface="Kartika"/>
+        <a:font script="Laoo" typeface="DokChampa"/>
+        <a:font script="Sinh" typeface="Iskoola Pota"/>
+        <a:font script="Mong" typeface="Mongolian Baiti"/>
+        <a:font script="Viet" typeface="Times New Roman"/>
+        <a:font script="Uigh" typeface="Microsoft Uighur"/>
+        <a:font script="Geor" typeface="Sylfaen"/>
+      </a:majorFont>
+      <a:minorFont>
+        <a:latin typeface="Calibri"/>
+        <a:ea typeface=""/>
+        <a:cs typeface=""/>
+        <a:font script="Jpan" typeface="ＭＳ Ｐゴシック"/>
+        <a:font script="Hang" typeface="맑은 고딕"/>
+        <a:font script="Hans" typeface="宋体"/>
+        <a:font script="Hant" typeface="新細明體"/>
+        <a:font script="Arab" typeface="Arial"/>
+        <a:font script="Hebr" typeface="Arial"/>
+        <a:font script="Thai" typeface="Cordia New"/>
+        <a:font script="Ethi" typeface="Nyala"/>
+        <a:font script="Beng" typeface="Vrinda"/>
+        <a:font script="Gujr" typeface="Shruti"/>
+        <a:font script="Khmr" typeface="DaunPenh"/>
+        <a:font script="Knda" typeface="Tunga"/>
+        <a:font script="Guru" typeface="Raavi"/>
+        <a:font script="Cans" typeface="Euphemia"/>
+        <a:font script="Cher" typeface="Plantagenet Cherokee"/>
+        <a:font script="Yiii" typeface="Microsoft Yi Baiti"/>
+        <a:font script="Tibt" typeface="Microsoft Himalaya"/>
+        <a:font script="Thaa" typeface="MV Boli"/>
+        <a:font script="Deva" typeface="Mangal"/>
+        <a:font script="Telu" typeface="Gautami"/>
+        <a:font script="Taml" typeface="Latha"/>
+        <a:font script="Syrc" typeface="Estrangelo Edessa"/>
+        <a:font script="Orya" typeface="Kalinga"/>
+        <a:font script="Mlym" typeface="Kartika"/>
+        <a:font script="Laoo" typeface="DokChampa"/>
+        <a:font script="Sinh" typeface="Iskoola Pota"/>
+        <a:font script="Mong" typeface="Mongolian Baiti"/>
+        <a:font script="Viet" typeface="Arial"/>
+        <a:font script="Uigh" typeface="Microsoft Uighur"/>
+        <a:font script="Geor" typeface="Sylfaen"/>
+      </a:minorFont>
+    </a:fontScheme>
+    <a:fmtScheme name="Office">
+      <a:fillStyleLst>
+        <a:solidFill>
+          <a:schemeClr val="phClr"/>
+        </a:solidFill>
+        <a:gradFill rotWithShape="1">
+          <a:gsLst>
+            <a:gs pos="0">
+              <a:schemeClr val="phClr">
+                <a:tint val="50000"/>
+                <a:satMod val="300000"/>
+              </a:schemeClr>
+            </a:gs>
+            <a:gs pos="35000">
+              <a:schemeClr val="phClr">
+                <a:tint val="37000"/>
+                <a:satMod val="300000"/>
+              </a:schemeClr>
+            </a:gs>
+            <a:gs pos="100000">
+              <a:schemeClr val="phClr">
+                <a:tint val="15000"/>
+                <a:satMod val="350000"/>
+              </a:schemeClr>
+            </a:gs>
+          </a:gsLst>
+          <a:lin ang="16200000" scaled="1"/>
+        </a:gradFill>
+        <a:gradFill rotWithShape="1">
+          <a:gsLst>
+            <a:gs pos="0">
+              <a:schemeClr val="phClr">
+                <a:tint val="100000"/>
+                <a:shade val="100000"/>
+                <a:satMod val="130000"/>
+              </a:schemeClr>
+            </a:gs>
+            <a:gs pos="100000">
+              <a:schemeClr val="phClr">
+                <a:tint val="50000"/>
+                <a:shade val="100000"/>
+                <a:satMod val="350000"/>
+              </a:schemeClr>
+            </a:gs>
+          </a:gsLst>
+          <a:lin ang="16200000" scaled="0"/>
+        </a:gradFill>
+      </a:fillStyleLst>
+      <a:lnStyleLst>
+        <a:ln w="9525" cap="flat" cmpd="sng" algn="ctr">
+          <a:solidFill>
+            <a:schemeClr val="phClr">
+              <a:shade val="95000"/>
+              <a:satMod val="105000"/>
+            </a:schemeClr>
+          </a:solidFill>
+          <a:prstDash val="solid"/>
+        </a:ln>
+        <a:ln w="25400" cap="flat" cmpd="sng" algn="ctr">
+          <a:solidFill>
+            <a:schemeClr val="phClr"/>
+          </a:solidFill>
+          <a:prstDash val="solid"/>
+        </a:ln>
+        <a:ln w="38100" cap="flat" cmpd="sng" algn="ctr">
+          <a:solidFill>
+            <a:schemeClr val="phClr"/>
+          </a:solidFill>
+          <a:prstDash val="solid"/>
+        </a:ln>
+      </a:lnStyleLst>
+      <a:effectStyleLst>
+        <a:effectStyle>
+          <a:effectLst>
+            <a:outerShdw blurRad="40000" dist="20000" dir="5400000" rotWithShape="0">
+              <a:srgbClr val="000000">
+                <a:alpha val="38000"/>
+              </a:srgbClr>
+            </a:outerShdw>
+          </a:effectLst>
+        </a:effectStyle>
+        <a:effectStyle>
+          <a:effectLst>
+            <a:outerShdw blurRad="40000" dist="23000" dir="5400000" rotWithShape="0">
+              <a:srgbClr val="000000">
+                <a:alpha val="35000"/>
+              </a:srgbClr>
+            </a:outerShdw>
+          </a:effectLst>
+        </a:effectStyle>
+        <a:effectStyle>
+          <a:effectLst>
+            <a:outerShdw blurRad="40000" dist="23000" dir="5400000" rotWithShape="0">
+              <a:srgbClr val="000000">
+                <a:alpha val="35000"/>
+              </a:srgbClr>
+            </a:outerShdw>
+          </a:effectLst>
+          <a:scene3d>
+            <a:camera prst="orthographicFront">
+              <a:rot lat="0" lon="0" rev="0"/>
+            </a:camera>
+            <a:lightRig rig="threePt" dir="t">
+              <a:rot lat="0" lon="0" rev="1200000"/>
+            </a:lightRig>
+          </a:scene3d>
+          <a:sp3d>
+            <a:bevelT w="63500" h="25400"/>
+          </a:sp3d>
+        </a:effectStyle>
+      </a:effectStyleLst>
+      <a:bgFillStyleLst>
+        <a:solidFill>
+          <a:schemeClr val="phClr"/>
+        </a:solidFill>
+        <a:gradFill rotWithShape="1">
+          <a:gsLst>
+            <a:gs pos="0">
+              <a:schemeClr val="phClr">
+                <a:tint val="40000"/>
+                <a:satMod val="350000"/>
+              </a:schemeClr>
+            </a:gs>
+            <a:gs pos="40000">
+              <a:schemeClr val="phClr">
+                <a:tint val="45000"/>
+                <a:shade val="99000"/>
+                <a:satMod val="350000"/>
+              </a:schemeClr>
+            </a:gs>
+            <a:gs pos="100000">
+              <a:schemeClr val="phClr">
+                <a:shade val="20000"/>
+                <a:satMod val="255000"/>
+              </a:schemeClr>
+            </a:gs>
+          </a:gsLst>
+          <a:path path="circle">
+            <a:fillToRect l="50000" t="-80000" r="50000" b="180000"/>
+          </a:path>
+        </a:gradFill>
+        <a:gradFill rotWithShape="1">
+          <a:gsLst>
+            <a:gs pos="0">
+              <a:schemeClr val="phClr">
+                <a:tint val="80000"/>
+                <a:satMod val="300000"/>
+              </a:schemeClr>
+            </a:gs>
+            <a:gs pos="100000">
+              <a:schemeClr val="phClr">
+                <a:shade val="30000"/>
+                <a:satMod val="200000"/>
+              </a:schemeClr>
+            </a:gs>
+          </a:gsLst>
+          <a:path path="circle">
+            <a:fillToRect l="50000" t="50000" r="50000" b="50000"/>
+          </a:path>
+        </a:gradFill>
+      </a:bgFillStyleLst>
+    </a:fmtScheme>
+  </a:themeElements>
+  <a:objectDefaults>
+    <a:spDef>
+      <a:spPr/>
+      <a:bodyPr/>
+      <a:lstStyle/>
+      <a:style>
+        <a:lnRef idx="1">
+          <a:schemeClr val="accent1"/>
+        </a:lnRef>
+        <a:fillRef idx="3">
+          <a:schemeClr val="accent1"/>
+        </a:fillRef>
+        <a:effectRef idx="2">
+          <a:schemeClr val="accent1"/>
+        </a:effectRef>
+        <a:fontRef idx="minor">
+          <a:schemeClr val="lt1"/>
+        </a:fontRef>
+      </a:style>
+    </a:spDef>
+    <a:lnDef>
+      <a:spPr/>
+      <a:bodyPr/>
+      <a:lstStyle/>
+      <a:style>
+        <a:lnRef idx="2">
+          <a:schemeClr val="accent1"/>
+        </a:lnRef>
+        <a:fillRef idx="0">
+          <a:schemeClr val="accent1"/>
+        </a:fillRef>
+        <a:effectRef idx="1">
+          <a:schemeClr val="accent1"/>
+        </a:effectRef>
+        <a:fontRef idx="minor">
+          <a:schemeClr val="tx1"/>
+        </a:fontRef>
+      </a:style>
+    </a:lnDef>
+  </a:objectDefaults>
+  <a:extraClrSchemeLst/>
+</a:theme>
 </file>